--- a/高専ベンチャー三三++.pptx
+++ b/高専ベンチャー三三++.pptx
@@ -4,6 +4,9 @@
   <p:sldMasterIdLst>
     <p:sldMasterId id="2147483648" r:id="rId1"/>
   </p:sldMasterIdLst>
+  <p:sldIdLst>
+    <p:sldId id="256" r:id="rId2"/>
+  </p:sldIdLst>
   <p:sldSz cx="9144000" cy="6858000" type="screen4x3"/>
   <p:notesSz cx="6858000" cy="9144000"/>
   <p:defaultTextStyle>
@@ -285,7 +288,8 @@
           <a:p>
             <a:fld id="{E90ED720-0104-4369-84BC-D37694168613}" type="datetimeFigureOut">
               <a:rPr kumimoji="1" lang="ja-JP" altLang="en-US" smtClean="0"/>
-              <a:t>2006/9/6</a:t>
+              <a:pPr/>
+              <a:t>2013/3/10</a:t>
             </a:fld>
             <a:endParaRPr kumimoji="1" lang="ja-JP" altLang="en-US"/>
           </a:p>
@@ -327,6 +331,7 @@
           <a:p>
             <a:fld id="{D2D8002D-B5B0-4BAC-B1F6-782DDCCE6D9C}" type="slidenum">
               <a:rPr kumimoji="1" lang="ja-JP" altLang="en-US" smtClean="0"/>
+              <a:pPr/>
               <a:t>&lt;#&gt;</a:t>
             </a:fld>
             <a:endParaRPr kumimoji="1" lang="ja-JP" altLang="en-US"/>
@@ -482,7 +487,8 @@
           <a:p>
             <a:fld id="{E90ED720-0104-4369-84BC-D37694168613}" type="datetimeFigureOut">
               <a:rPr kumimoji="1" lang="ja-JP" altLang="en-US" smtClean="0"/>
-              <a:t>2006/9/6</a:t>
+              <a:pPr/>
+              <a:t>2013/3/10</a:t>
             </a:fld>
             <a:endParaRPr kumimoji="1" lang="ja-JP" altLang="en-US"/>
           </a:p>
@@ -524,6 +530,7 @@
           <a:p>
             <a:fld id="{D2D8002D-B5B0-4BAC-B1F6-782DDCCE6D9C}" type="slidenum">
               <a:rPr kumimoji="1" lang="ja-JP" altLang="en-US" smtClean="0"/>
+              <a:pPr/>
               <a:t>&lt;#&gt;</a:t>
             </a:fld>
             <a:endParaRPr kumimoji="1" lang="ja-JP" altLang="en-US"/>
@@ -689,7 +696,8 @@
           <a:p>
             <a:fld id="{E90ED720-0104-4369-84BC-D37694168613}" type="datetimeFigureOut">
               <a:rPr kumimoji="1" lang="ja-JP" altLang="en-US" smtClean="0"/>
-              <a:t>2006/9/6</a:t>
+              <a:pPr/>
+              <a:t>2013/3/10</a:t>
             </a:fld>
             <a:endParaRPr kumimoji="1" lang="ja-JP" altLang="en-US"/>
           </a:p>
@@ -731,6 +739,7 @@
           <a:p>
             <a:fld id="{D2D8002D-B5B0-4BAC-B1F6-782DDCCE6D9C}" type="slidenum">
               <a:rPr kumimoji="1" lang="ja-JP" altLang="en-US" smtClean="0"/>
+              <a:pPr/>
               <a:t>&lt;#&gt;</a:t>
             </a:fld>
             <a:endParaRPr kumimoji="1" lang="ja-JP" altLang="en-US"/>
@@ -886,7 +895,8 @@
           <a:p>
             <a:fld id="{E90ED720-0104-4369-84BC-D37694168613}" type="datetimeFigureOut">
               <a:rPr kumimoji="1" lang="ja-JP" altLang="en-US" smtClean="0"/>
-              <a:t>2006/9/6</a:t>
+              <a:pPr/>
+              <a:t>2013/3/10</a:t>
             </a:fld>
             <a:endParaRPr kumimoji="1" lang="ja-JP" altLang="en-US"/>
           </a:p>
@@ -928,6 +938,7 @@
           <a:p>
             <a:fld id="{D2D8002D-B5B0-4BAC-B1F6-782DDCCE6D9C}" type="slidenum">
               <a:rPr kumimoji="1" lang="ja-JP" altLang="en-US" smtClean="0"/>
+              <a:pPr/>
               <a:t>&lt;#&gt;</a:t>
             </a:fld>
             <a:endParaRPr kumimoji="1" lang="ja-JP" altLang="en-US"/>
@@ -1127,7 +1138,8 @@
           <a:p>
             <a:fld id="{E90ED720-0104-4369-84BC-D37694168613}" type="datetimeFigureOut">
               <a:rPr kumimoji="1" lang="ja-JP" altLang="en-US" smtClean="0"/>
-              <a:t>2006/9/6</a:t>
+              <a:pPr/>
+              <a:t>2013/3/10</a:t>
             </a:fld>
             <a:endParaRPr kumimoji="1" lang="ja-JP" altLang="en-US"/>
           </a:p>
@@ -1169,6 +1181,7 @@
           <a:p>
             <a:fld id="{D2D8002D-B5B0-4BAC-B1F6-782DDCCE6D9C}" type="slidenum">
               <a:rPr kumimoji="1" lang="ja-JP" altLang="en-US" smtClean="0"/>
+              <a:pPr/>
               <a:t>&lt;#&gt;</a:t>
             </a:fld>
             <a:endParaRPr kumimoji="1" lang="ja-JP" altLang="en-US"/>
@@ -1474,7 +1487,8 @@
           <a:p>
             <a:fld id="{E90ED720-0104-4369-84BC-D37694168613}" type="datetimeFigureOut">
               <a:rPr kumimoji="1" lang="ja-JP" altLang="en-US" smtClean="0"/>
-              <a:t>2006/9/6</a:t>
+              <a:pPr/>
+              <a:t>2013/3/10</a:t>
             </a:fld>
             <a:endParaRPr kumimoji="1" lang="ja-JP" altLang="en-US"/>
           </a:p>
@@ -1516,6 +1530,7 @@
           <a:p>
             <a:fld id="{D2D8002D-B5B0-4BAC-B1F6-782DDCCE6D9C}" type="slidenum">
               <a:rPr kumimoji="1" lang="ja-JP" altLang="en-US" smtClean="0"/>
+              <a:pPr/>
               <a:t>&lt;#&gt;</a:t>
             </a:fld>
             <a:endParaRPr kumimoji="1" lang="ja-JP" altLang="en-US"/>
@@ -1955,7 +1970,8 @@
           <a:p>
             <a:fld id="{E90ED720-0104-4369-84BC-D37694168613}" type="datetimeFigureOut">
               <a:rPr kumimoji="1" lang="ja-JP" altLang="en-US" smtClean="0"/>
-              <a:t>2006/9/6</a:t>
+              <a:pPr/>
+              <a:t>2013/3/10</a:t>
             </a:fld>
             <a:endParaRPr kumimoji="1" lang="ja-JP" altLang="en-US"/>
           </a:p>
@@ -1997,6 +2013,7 @@
           <a:p>
             <a:fld id="{D2D8002D-B5B0-4BAC-B1F6-782DDCCE6D9C}" type="slidenum">
               <a:rPr kumimoji="1" lang="ja-JP" altLang="en-US" smtClean="0"/>
+              <a:pPr/>
               <a:t>&lt;#&gt;</a:t>
             </a:fld>
             <a:endParaRPr kumimoji="1" lang="ja-JP" altLang="en-US"/>
@@ -2068,7 +2085,8 @@
           <a:p>
             <a:fld id="{E90ED720-0104-4369-84BC-D37694168613}" type="datetimeFigureOut">
               <a:rPr kumimoji="1" lang="ja-JP" altLang="en-US" smtClean="0"/>
-              <a:t>2006/9/6</a:t>
+              <a:pPr/>
+              <a:t>2013/3/10</a:t>
             </a:fld>
             <a:endParaRPr kumimoji="1" lang="ja-JP" altLang="en-US"/>
           </a:p>
@@ -2110,6 +2128,7 @@
           <a:p>
             <a:fld id="{D2D8002D-B5B0-4BAC-B1F6-782DDCCE6D9C}" type="slidenum">
               <a:rPr kumimoji="1" lang="ja-JP" altLang="en-US" smtClean="0"/>
+              <a:pPr/>
               <a:t>&lt;#&gt;</a:t>
             </a:fld>
             <a:endParaRPr kumimoji="1" lang="ja-JP" altLang="en-US"/>
@@ -2158,7 +2177,8 @@
           <a:p>
             <a:fld id="{E90ED720-0104-4369-84BC-D37694168613}" type="datetimeFigureOut">
               <a:rPr kumimoji="1" lang="ja-JP" altLang="en-US" smtClean="0"/>
-              <a:t>2006/9/6</a:t>
+              <a:pPr/>
+              <a:t>2013/3/10</a:t>
             </a:fld>
             <a:endParaRPr kumimoji="1" lang="ja-JP" altLang="en-US"/>
           </a:p>
@@ -2200,6 +2220,7 @@
           <a:p>
             <a:fld id="{D2D8002D-B5B0-4BAC-B1F6-782DDCCE6D9C}" type="slidenum">
               <a:rPr kumimoji="1" lang="ja-JP" altLang="en-US" smtClean="0"/>
+              <a:pPr/>
               <a:t>&lt;#&gt;</a:t>
             </a:fld>
             <a:endParaRPr kumimoji="1" lang="ja-JP" altLang="en-US"/>
@@ -2462,7 +2483,8 @@
           <a:p>
             <a:fld id="{E90ED720-0104-4369-84BC-D37694168613}" type="datetimeFigureOut">
               <a:rPr kumimoji="1" lang="ja-JP" altLang="en-US" smtClean="0"/>
-              <a:t>2006/9/6</a:t>
+              <a:pPr/>
+              <a:t>2013/3/10</a:t>
             </a:fld>
             <a:endParaRPr kumimoji="1" lang="ja-JP" altLang="en-US"/>
           </a:p>
@@ -2504,6 +2526,7 @@
           <a:p>
             <a:fld id="{D2D8002D-B5B0-4BAC-B1F6-782DDCCE6D9C}" type="slidenum">
               <a:rPr kumimoji="1" lang="ja-JP" altLang="en-US" smtClean="0"/>
+              <a:pPr/>
               <a:t>&lt;#&gt;</a:t>
             </a:fld>
             <a:endParaRPr kumimoji="1" lang="ja-JP" altLang="en-US"/>
@@ -2710,7 +2733,8 @@
           <a:p>
             <a:fld id="{E90ED720-0104-4369-84BC-D37694168613}" type="datetimeFigureOut">
               <a:rPr kumimoji="1" lang="ja-JP" altLang="en-US" smtClean="0"/>
-              <a:t>2006/9/6</a:t>
+              <a:pPr/>
+              <a:t>2013/3/10</a:t>
             </a:fld>
             <a:endParaRPr kumimoji="1" lang="ja-JP" altLang="en-US"/>
           </a:p>
@@ -2752,6 +2776,7 @@
           <a:p>
             <a:fld id="{D2D8002D-B5B0-4BAC-B1F6-782DDCCE6D9C}" type="slidenum">
               <a:rPr kumimoji="1" lang="ja-JP" altLang="en-US" smtClean="0"/>
+              <a:pPr/>
               <a:t>&lt;#&gt;</a:t>
             </a:fld>
             <a:endParaRPr kumimoji="1" lang="ja-JP" altLang="en-US"/>
@@ -2950,7 +2975,8 @@
           <a:p>
             <a:fld id="{E90ED720-0104-4369-84BC-D37694168613}" type="datetimeFigureOut">
               <a:rPr kumimoji="1" lang="ja-JP" altLang="en-US" smtClean="0"/>
-              <a:t>2006/9/6</a:t>
+              <a:pPr/>
+              <a:t>2013/3/10</a:t>
             </a:fld>
             <a:endParaRPr kumimoji="1" lang="ja-JP" altLang="en-US"/>
           </a:p>
@@ -3028,6 +3054,7 @@
           <a:p>
             <a:fld id="{D2D8002D-B5B0-4BAC-B1F6-782DDCCE6D9C}" type="slidenum">
               <a:rPr kumimoji="1" lang="ja-JP" altLang="en-US" smtClean="0"/>
+              <a:pPr/>
               <a:t>&lt;#&gt;</a:t>
             </a:fld>
             <a:endParaRPr kumimoji="1" lang="ja-JP" altLang="en-US"/>
@@ -3301,6 +3328,69 @@
     </p:otherStyle>
   </p:txStyles>
 </p:sldMaster>
+</file>
+
+<file path=ppt/slides/slide1.xml><?xml version="1.0" encoding="utf-8"?>
+<p:sld xmlns:a="http://schemas.openxmlformats.org/drawingml/2006/main" xmlns:r="http://schemas.openxmlformats.org/officeDocument/2006/relationships" xmlns:p="http://schemas.openxmlformats.org/presentationml/2006/main">
+  <p:cSld>
+    <p:spTree>
+      <p:nvGrpSpPr>
+        <p:cNvPr id="1" name=""/>
+        <p:cNvGrpSpPr/>
+        <p:nvPr/>
+      </p:nvGrpSpPr>
+      <p:grpSpPr>
+        <a:xfrm>
+          <a:off x="0" y="0"/>
+          <a:ext cx="0" cy="0"/>
+          <a:chOff x="0" y="0"/>
+          <a:chExt cx="0" cy="0"/>
+        </a:xfrm>
+      </p:grpSpPr>
+      <p:sp>
+        <p:nvSpPr>
+          <p:cNvPr id="2" name="タイトル 1"/>
+          <p:cNvSpPr>
+            <a:spLocks noGrp="1"/>
+          </p:cNvSpPr>
+          <p:nvPr>
+            <p:ph type="ctrTitle"/>
+          </p:nvPr>
+        </p:nvSpPr>
+        <p:spPr/>
+        <p:txBody>
+          <a:bodyPr/>
+          <a:lstStyle/>
+          <a:p>
+            <a:endParaRPr kumimoji="1" lang="ja-JP" altLang="en-US"/>
+          </a:p>
+        </p:txBody>
+      </p:sp>
+      <p:sp>
+        <p:nvSpPr>
+          <p:cNvPr id="3" name="サブタイトル 2"/>
+          <p:cNvSpPr>
+            <a:spLocks noGrp="1"/>
+          </p:cNvSpPr>
+          <p:nvPr>
+            <p:ph type="subTitle" idx="1"/>
+          </p:nvPr>
+        </p:nvSpPr>
+        <p:spPr/>
+        <p:txBody>
+          <a:bodyPr/>
+          <a:lstStyle/>
+          <a:p>
+            <a:endParaRPr kumimoji="1" lang="ja-JP" altLang="en-US"/>
+          </a:p>
+        </p:txBody>
+      </p:sp>
+    </p:spTree>
+  </p:cSld>
+  <p:clrMapOvr>
+    <a:masterClrMapping/>
+  </p:clrMapOvr>
+</p:sld>
 </file>
 
 <file path=ppt/theme/theme1.xml><?xml version="1.0" encoding="utf-8"?>

--- a/高専ベンチャー三三++.pptx
+++ b/高専ベンチャー三三++.pptx
@@ -6,6 +6,12 @@
   </p:sldMasterIdLst>
   <p:sldIdLst>
     <p:sldId id="256" r:id="rId2"/>
+    <p:sldId id="264" r:id="rId3"/>
+    <p:sldId id="263" r:id="rId4"/>
+    <p:sldId id="259" r:id="rId5"/>
+    <p:sldId id="261" r:id="rId6"/>
+    <p:sldId id="262" r:id="rId7"/>
+    <p:sldId id="260" r:id="rId8"/>
   </p:sldIdLst>
   <p:sldSz cx="9144000" cy="6858000" type="screen4x3"/>
   <p:notesSz cx="6858000" cy="9144000"/>
@@ -286,9 +292,8 @@
           <a:bodyPr/>
           <a:lstStyle/>
           <a:p>
-            <a:fld id="{E90ED720-0104-4369-84BC-D37694168613}" type="datetimeFigureOut">
-              <a:rPr kumimoji="1" lang="ja-JP" altLang="en-US" smtClean="0"/>
-              <a:pPr/>
+            <a:fld id="{C2E6BA9C-D01F-4665-A7DD-1D8B8337740E}" type="datetimeFigureOut">
+              <a:rPr kumimoji="1" lang="ja-JP" altLang="en-US" smtClean="0"/>
               <a:t>2013/3/10</a:t>
             </a:fld>
             <a:endParaRPr kumimoji="1" lang="ja-JP" altLang="en-US"/>
@@ -324,14 +329,21 @@
             <p:ph type="sldNum" sz="quarter" idx="12"/>
           </p:nvPr>
         </p:nvSpPr>
-        <p:spPr/>
+        <p:spPr>
+          <a:xfrm>
+            <a:off x="6553200" y="6356350"/>
+            <a:ext cx="2133600" cy="365125"/>
+          </a:xfrm>
+          <a:prstGeom prst="rect">
+            <a:avLst/>
+          </a:prstGeom>
+        </p:spPr>
         <p:txBody>
           <a:bodyPr/>
           <a:lstStyle/>
           <a:p>
-            <a:fld id="{D2D8002D-B5B0-4BAC-B1F6-782DDCCE6D9C}" type="slidenum">
-              <a:rPr kumimoji="1" lang="ja-JP" altLang="en-US" smtClean="0"/>
-              <a:pPr/>
+            <a:fld id="{E4A9B57C-4469-4EC6-9FAE-85D621668D21}" type="slidenum">
+              <a:rPr kumimoji="1" lang="ja-JP" altLang="en-US" smtClean="0"/>
               <a:t>&lt;#&gt;</a:t>
             </a:fld>
             <a:endParaRPr kumimoji="1" lang="ja-JP" altLang="en-US"/>
@@ -343,6 +355,9 @@
   <p:clrMapOvr>
     <a:masterClrMapping/>
   </p:clrMapOvr>
+  <p:transition>
+    <p:fade/>
+  </p:transition>
 </p:sldLayout>
 </file>
 
@@ -485,9 +500,8 @@
           <a:bodyPr/>
           <a:lstStyle/>
           <a:p>
-            <a:fld id="{E90ED720-0104-4369-84BC-D37694168613}" type="datetimeFigureOut">
-              <a:rPr kumimoji="1" lang="ja-JP" altLang="en-US" smtClean="0"/>
-              <a:pPr/>
+            <a:fld id="{C2E6BA9C-D01F-4665-A7DD-1D8B8337740E}" type="datetimeFigureOut">
+              <a:rPr kumimoji="1" lang="ja-JP" altLang="en-US" smtClean="0"/>
               <a:t>2013/3/10</a:t>
             </a:fld>
             <a:endParaRPr kumimoji="1" lang="ja-JP" altLang="en-US"/>
@@ -523,14 +537,21 @@
             <p:ph type="sldNum" sz="quarter" idx="12"/>
           </p:nvPr>
         </p:nvSpPr>
-        <p:spPr/>
+        <p:spPr>
+          <a:xfrm>
+            <a:off x="6553200" y="6356350"/>
+            <a:ext cx="2133600" cy="365125"/>
+          </a:xfrm>
+          <a:prstGeom prst="rect">
+            <a:avLst/>
+          </a:prstGeom>
+        </p:spPr>
         <p:txBody>
           <a:bodyPr/>
           <a:lstStyle/>
           <a:p>
-            <a:fld id="{D2D8002D-B5B0-4BAC-B1F6-782DDCCE6D9C}" type="slidenum">
-              <a:rPr kumimoji="1" lang="ja-JP" altLang="en-US" smtClean="0"/>
-              <a:pPr/>
+            <a:fld id="{E4A9B57C-4469-4EC6-9FAE-85D621668D21}" type="slidenum">
+              <a:rPr kumimoji="1" lang="ja-JP" altLang="en-US" smtClean="0"/>
               <a:t>&lt;#&gt;</a:t>
             </a:fld>
             <a:endParaRPr kumimoji="1" lang="ja-JP" altLang="en-US"/>
@@ -542,6 +563,9 @@
   <p:clrMapOvr>
     <a:masterClrMapping/>
   </p:clrMapOvr>
+  <p:transition>
+    <p:fade/>
+  </p:transition>
 </p:sldLayout>
 </file>
 
@@ -694,9 +718,8 @@
           <a:bodyPr/>
           <a:lstStyle/>
           <a:p>
-            <a:fld id="{E90ED720-0104-4369-84BC-D37694168613}" type="datetimeFigureOut">
-              <a:rPr kumimoji="1" lang="ja-JP" altLang="en-US" smtClean="0"/>
-              <a:pPr/>
+            <a:fld id="{C2E6BA9C-D01F-4665-A7DD-1D8B8337740E}" type="datetimeFigureOut">
+              <a:rPr kumimoji="1" lang="ja-JP" altLang="en-US" smtClean="0"/>
               <a:t>2013/3/10</a:t>
             </a:fld>
             <a:endParaRPr kumimoji="1" lang="ja-JP" altLang="en-US"/>
@@ -732,14 +755,21 @@
             <p:ph type="sldNum" sz="quarter" idx="12"/>
           </p:nvPr>
         </p:nvSpPr>
-        <p:spPr/>
+        <p:spPr>
+          <a:xfrm>
+            <a:off x="6553200" y="6356350"/>
+            <a:ext cx="2133600" cy="365125"/>
+          </a:xfrm>
+          <a:prstGeom prst="rect">
+            <a:avLst/>
+          </a:prstGeom>
+        </p:spPr>
         <p:txBody>
           <a:bodyPr/>
           <a:lstStyle/>
           <a:p>
-            <a:fld id="{D2D8002D-B5B0-4BAC-B1F6-782DDCCE6D9C}" type="slidenum">
-              <a:rPr kumimoji="1" lang="ja-JP" altLang="en-US" smtClean="0"/>
-              <a:pPr/>
+            <a:fld id="{E4A9B57C-4469-4EC6-9FAE-85D621668D21}" type="slidenum">
+              <a:rPr kumimoji="1" lang="ja-JP" altLang="en-US" smtClean="0"/>
               <a:t>&lt;#&gt;</a:t>
             </a:fld>
             <a:endParaRPr kumimoji="1" lang="ja-JP" altLang="en-US"/>
@@ -751,6 +781,9 @@
   <p:clrMapOvr>
     <a:masterClrMapping/>
   </p:clrMapOvr>
+  <p:transition>
+    <p:fade/>
+  </p:transition>
 </p:sldLayout>
 </file>
 
@@ -893,9 +926,8 @@
           <a:bodyPr/>
           <a:lstStyle/>
           <a:p>
-            <a:fld id="{E90ED720-0104-4369-84BC-D37694168613}" type="datetimeFigureOut">
-              <a:rPr kumimoji="1" lang="ja-JP" altLang="en-US" smtClean="0"/>
-              <a:pPr/>
+            <a:fld id="{C2E6BA9C-D01F-4665-A7DD-1D8B8337740E}" type="datetimeFigureOut">
+              <a:rPr kumimoji="1" lang="ja-JP" altLang="en-US" smtClean="0"/>
               <a:t>2013/3/10</a:t>
             </a:fld>
             <a:endParaRPr kumimoji="1" lang="ja-JP" altLang="en-US"/>
@@ -931,17 +963,24 @@
             <p:ph type="sldNum" sz="quarter" idx="12"/>
           </p:nvPr>
         </p:nvSpPr>
-        <p:spPr/>
+        <p:spPr>
+          <a:xfrm>
+            <a:off x="6660232" y="5949280"/>
+            <a:ext cx="2133600" cy="365125"/>
+          </a:xfrm>
+          <a:prstGeom prst="rect">
+            <a:avLst/>
+          </a:prstGeom>
+        </p:spPr>
         <p:txBody>
           <a:bodyPr/>
           <a:lstStyle/>
           <a:p>
-            <a:fld id="{D2D8002D-B5B0-4BAC-B1F6-782DDCCE6D9C}" type="slidenum">
-              <a:rPr kumimoji="1" lang="ja-JP" altLang="en-US" smtClean="0"/>
-              <a:pPr/>
+            <a:fld id="{E4A9B57C-4469-4EC6-9FAE-85D621668D21}" type="slidenum">
+              <a:rPr kumimoji="1" lang="ja-JP" altLang="en-US" smtClean="0"/>
               <a:t>&lt;#&gt;</a:t>
             </a:fld>
-            <a:endParaRPr kumimoji="1" lang="ja-JP" altLang="en-US"/>
+            <a:endParaRPr kumimoji="1" lang="ja-JP" altLang="en-US" dirty="0"/>
           </a:p>
         </p:txBody>
       </p:sp>
@@ -950,6 +989,9 @@
   <p:clrMapOvr>
     <a:masterClrMapping/>
   </p:clrMapOvr>
+  <p:transition>
+    <p:fade/>
+  </p:transition>
 </p:sldLayout>
 </file>
 
@@ -1136,9 +1178,8 @@
           <a:bodyPr/>
           <a:lstStyle/>
           <a:p>
-            <a:fld id="{E90ED720-0104-4369-84BC-D37694168613}" type="datetimeFigureOut">
-              <a:rPr kumimoji="1" lang="ja-JP" altLang="en-US" smtClean="0"/>
-              <a:pPr/>
+            <a:fld id="{C2E6BA9C-D01F-4665-A7DD-1D8B8337740E}" type="datetimeFigureOut">
+              <a:rPr kumimoji="1" lang="ja-JP" altLang="en-US" smtClean="0"/>
               <a:t>2013/3/10</a:t>
             </a:fld>
             <a:endParaRPr kumimoji="1" lang="ja-JP" altLang="en-US"/>
@@ -1174,14 +1215,21 @@
             <p:ph type="sldNum" sz="quarter" idx="12"/>
           </p:nvPr>
         </p:nvSpPr>
-        <p:spPr/>
+        <p:spPr>
+          <a:xfrm>
+            <a:off x="6553200" y="6356350"/>
+            <a:ext cx="2133600" cy="365125"/>
+          </a:xfrm>
+          <a:prstGeom prst="rect">
+            <a:avLst/>
+          </a:prstGeom>
+        </p:spPr>
         <p:txBody>
           <a:bodyPr/>
           <a:lstStyle/>
           <a:p>
-            <a:fld id="{D2D8002D-B5B0-4BAC-B1F6-782DDCCE6D9C}" type="slidenum">
-              <a:rPr kumimoji="1" lang="ja-JP" altLang="en-US" smtClean="0"/>
-              <a:pPr/>
+            <a:fld id="{E4A9B57C-4469-4EC6-9FAE-85D621668D21}" type="slidenum">
+              <a:rPr kumimoji="1" lang="ja-JP" altLang="en-US" smtClean="0"/>
               <a:t>&lt;#&gt;</a:t>
             </a:fld>
             <a:endParaRPr kumimoji="1" lang="ja-JP" altLang="en-US"/>
@@ -1193,6 +1241,9 @@
   <p:clrMapOvr>
     <a:masterClrMapping/>
   </p:clrMapOvr>
+  <p:transition>
+    <p:fade/>
+  </p:transition>
 </p:sldLayout>
 </file>
 
@@ -1485,9 +1536,8 @@
           <a:bodyPr/>
           <a:lstStyle/>
           <a:p>
-            <a:fld id="{E90ED720-0104-4369-84BC-D37694168613}" type="datetimeFigureOut">
-              <a:rPr kumimoji="1" lang="ja-JP" altLang="en-US" smtClean="0"/>
-              <a:pPr/>
+            <a:fld id="{C2E6BA9C-D01F-4665-A7DD-1D8B8337740E}" type="datetimeFigureOut">
+              <a:rPr kumimoji="1" lang="ja-JP" altLang="en-US" smtClean="0"/>
               <a:t>2013/3/10</a:t>
             </a:fld>
             <a:endParaRPr kumimoji="1" lang="ja-JP" altLang="en-US"/>
@@ -1523,14 +1573,21 @@
             <p:ph type="sldNum" sz="quarter" idx="12"/>
           </p:nvPr>
         </p:nvSpPr>
-        <p:spPr/>
+        <p:spPr>
+          <a:xfrm>
+            <a:off x="6553200" y="6356350"/>
+            <a:ext cx="2133600" cy="365125"/>
+          </a:xfrm>
+          <a:prstGeom prst="rect">
+            <a:avLst/>
+          </a:prstGeom>
+        </p:spPr>
         <p:txBody>
           <a:bodyPr/>
           <a:lstStyle/>
           <a:p>
-            <a:fld id="{D2D8002D-B5B0-4BAC-B1F6-782DDCCE6D9C}" type="slidenum">
-              <a:rPr kumimoji="1" lang="ja-JP" altLang="en-US" smtClean="0"/>
-              <a:pPr/>
+            <a:fld id="{E4A9B57C-4469-4EC6-9FAE-85D621668D21}" type="slidenum">
+              <a:rPr kumimoji="1" lang="ja-JP" altLang="en-US" smtClean="0"/>
               <a:t>&lt;#&gt;</a:t>
             </a:fld>
             <a:endParaRPr kumimoji="1" lang="ja-JP" altLang="en-US"/>
@@ -1542,6 +1599,9 @@
   <p:clrMapOvr>
     <a:masterClrMapping/>
   </p:clrMapOvr>
+  <p:transition>
+    <p:fade/>
+  </p:transition>
 </p:sldLayout>
 </file>
 
@@ -1968,9 +2028,8 @@
           <a:bodyPr/>
           <a:lstStyle/>
           <a:p>
-            <a:fld id="{E90ED720-0104-4369-84BC-D37694168613}" type="datetimeFigureOut">
-              <a:rPr kumimoji="1" lang="ja-JP" altLang="en-US" smtClean="0"/>
-              <a:pPr/>
+            <a:fld id="{C2E6BA9C-D01F-4665-A7DD-1D8B8337740E}" type="datetimeFigureOut">
+              <a:rPr kumimoji="1" lang="ja-JP" altLang="en-US" smtClean="0"/>
               <a:t>2013/3/10</a:t>
             </a:fld>
             <a:endParaRPr kumimoji="1" lang="ja-JP" altLang="en-US"/>
@@ -2006,14 +2065,21 @@
             <p:ph type="sldNum" sz="quarter" idx="12"/>
           </p:nvPr>
         </p:nvSpPr>
-        <p:spPr/>
+        <p:spPr>
+          <a:xfrm>
+            <a:off x="6553200" y="6356350"/>
+            <a:ext cx="2133600" cy="365125"/>
+          </a:xfrm>
+          <a:prstGeom prst="rect">
+            <a:avLst/>
+          </a:prstGeom>
+        </p:spPr>
         <p:txBody>
           <a:bodyPr/>
           <a:lstStyle/>
           <a:p>
-            <a:fld id="{D2D8002D-B5B0-4BAC-B1F6-782DDCCE6D9C}" type="slidenum">
-              <a:rPr kumimoji="1" lang="ja-JP" altLang="en-US" smtClean="0"/>
-              <a:pPr/>
+            <a:fld id="{E4A9B57C-4469-4EC6-9FAE-85D621668D21}" type="slidenum">
+              <a:rPr kumimoji="1" lang="ja-JP" altLang="en-US" smtClean="0"/>
               <a:t>&lt;#&gt;</a:t>
             </a:fld>
             <a:endParaRPr kumimoji="1" lang="ja-JP" altLang="en-US"/>
@@ -2025,6 +2091,9 @@
   <p:clrMapOvr>
     <a:masterClrMapping/>
   </p:clrMapOvr>
+  <p:transition>
+    <p:fade/>
+  </p:transition>
 </p:sldLayout>
 </file>
 
@@ -2083,9 +2152,8 @@
           <a:bodyPr/>
           <a:lstStyle/>
           <a:p>
-            <a:fld id="{E90ED720-0104-4369-84BC-D37694168613}" type="datetimeFigureOut">
-              <a:rPr kumimoji="1" lang="ja-JP" altLang="en-US" smtClean="0"/>
-              <a:pPr/>
+            <a:fld id="{C2E6BA9C-D01F-4665-A7DD-1D8B8337740E}" type="datetimeFigureOut">
+              <a:rPr kumimoji="1" lang="ja-JP" altLang="en-US" smtClean="0"/>
               <a:t>2013/3/10</a:t>
             </a:fld>
             <a:endParaRPr kumimoji="1" lang="ja-JP" altLang="en-US"/>
@@ -2121,14 +2189,21 @@
             <p:ph type="sldNum" sz="quarter" idx="12"/>
           </p:nvPr>
         </p:nvSpPr>
-        <p:spPr/>
+        <p:spPr>
+          <a:xfrm>
+            <a:off x="6553200" y="6356350"/>
+            <a:ext cx="2133600" cy="365125"/>
+          </a:xfrm>
+          <a:prstGeom prst="rect">
+            <a:avLst/>
+          </a:prstGeom>
+        </p:spPr>
         <p:txBody>
           <a:bodyPr/>
           <a:lstStyle/>
           <a:p>
-            <a:fld id="{D2D8002D-B5B0-4BAC-B1F6-782DDCCE6D9C}" type="slidenum">
-              <a:rPr kumimoji="1" lang="ja-JP" altLang="en-US" smtClean="0"/>
-              <a:pPr/>
+            <a:fld id="{E4A9B57C-4469-4EC6-9FAE-85D621668D21}" type="slidenum">
+              <a:rPr kumimoji="1" lang="ja-JP" altLang="en-US" smtClean="0"/>
               <a:t>&lt;#&gt;</a:t>
             </a:fld>
             <a:endParaRPr kumimoji="1" lang="ja-JP" altLang="en-US"/>
@@ -2140,6 +2215,9 @@
   <p:clrMapOvr>
     <a:masterClrMapping/>
   </p:clrMapOvr>
+  <p:transition>
+    <p:fade/>
+  </p:transition>
 </p:sldLayout>
 </file>
 
@@ -2175,9 +2253,8 @@
           <a:bodyPr/>
           <a:lstStyle/>
           <a:p>
-            <a:fld id="{E90ED720-0104-4369-84BC-D37694168613}" type="datetimeFigureOut">
-              <a:rPr kumimoji="1" lang="ja-JP" altLang="en-US" smtClean="0"/>
-              <a:pPr/>
+            <a:fld id="{C2E6BA9C-D01F-4665-A7DD-1D8B8337740E}" type="datetimeFigureOut">
+              <a:rPr kumimoji="1" lang="ja-JP" altLang="en-US" smtClean="0"/>
               <a:t>2013/3/10</a:t>
             </a:fld>
             <a:endParaRPr kumimoji="1" lang="ja-JP" altLang="en-US"/>
@@ -2213,17 +2290,122 @@
             <p:ph type="sldNum" sz="quarter" idx="12"/>
           </p:nvPr>
         </p:nvSpPr>
-        <p:spPr/>
+        <p:spPr>
+          <a:xfrm>
+            <a:off x="6553200" y="6356350"/>
+            <a:ext cx="2133600" cy="365125"/>
+          </a:xfrm>
+          <a:prstGeom prst="rect">
+            <a:avLst/>
+          </a:prstGeom>
+        </p:spPr>
         <p:txBody>
           <a:bodyPr/>
           <a:lstStyle/>
           <a:p>
-            <a:fld id="{D2D8002D-B5B0-4BAC-B1F6-782DDCCE6D9C}" type="slidenum">
-              <a:rPr kumimoji="1" lang="ja-JP" altLang="en-US" smtClean="0"/>
-              <a:pPr/>
+            <a:fld id="{E4A9B57C-4469-4EC6-9FAE-85D621668D21}" type="slidenum">
+              <a:rPr kumimoji="1" lang="ja-JP" altLang="en-US" smtClean="0"/>
               <a:t>&lt;#&gt;</a:t>
             </a:fld>
             <a:endParaRPr kumimoji="1" lang="ja-JP" altLang="en-US"/>
+          </a:p>
+        </p:txBody>
+      </p:sp>
+      <p:sp>
+        <p:nvSpPr>
+          <p:cNvPr id="5" name="テキスト ボックス 4"/>
+          <p:cNvSpPr txBox="1"/>
+          <p:nvPr userDrawn="1"/>
+        </p:nvSpPr>
+        <p:spPr>
+          <a:xfrm>
+            <a:off x="7740352" y="6300609"/>
+            <a:ext cx="1512168" cy="584775"/>
+          </a:xfrm>
+          <a:prstGeom prst="rect">
+            <a:avLst/>
+          </a:prstGeom>
+          <a:noFill/>
+          <a:effectLst/>
+        </p:spPr>
+        <p:txBody>
+          <a:bodyPr wrap="square" rtlCol="0">
+            <a:spAutoFit/>
+          </a:bodyPr>
+          <a:lstStyle/>
+          <a:p>
+            <a:r>
+              <a:rPr kumimoji="1" lang="ja-JP" altLang="en-US" sz="3200" b="0" u="none" spc="300" dirty="0" smtClean="0">
+                <a:ln w="19050">
+                  <a:solidFill>
+                    <a:schemeClr val="tx2">
+                      <a:lumMod val="75000"/>
+                    </a:schemeClr>
+                  </a:solidFill>
+                  <a:prstDash val="solid"/>
+                  <a:miter lim="800000"/>
+                </a:ln>
+                <a:solidFill>
+                  <a:schemeClr val="tx2">
+                    <a:lumMod val="75000"/>
+                  </a:schemeClr>
+                </a:solidFill>
+                <a:effectLst>
+                  <a:reflection blurRad="6350" stA="55000" endA="300" endPos="45500" dir="5400000" sy="-100000" algn="bl" rotWithShape="0"/>
+                </a:effectLst>
+                <a:latin typeface="HGP行書体" pitchFamily="66" charset="-128"/>
+                <a:ea typeface="HGP行書体" pitchFamily="66" charset="-128"/>
+                <a:cs typeface="Aharoni" pitchFamily="2" charset="-79"/>
+              </a:rPr>
+              <a:t>三三</a:t>
+            </a:r>
+            <a:r>
+              <a:rPr kumimoji="1" lang="en-US" altLang="ja-JP" sz="2800" b="0" u="none" spc="300" dirty="0" smtClean="0">
+                <a:ln w="19050">
+                  <a:solidFill>
+                    <a:schemeClr val="tx2">
+                      <a:lumMod val="75000"/>
+                    </a:schemeClr>
+                  </a:solidFill>
+                  <a:prstDash val="solid"/>
+                  <a:miter lim="800000"/>
+                </a:ln>
+                <a:solidFill>
+                  <a:schemeClr val="tx2">
+                    <a:lumMod val="75000"/>
+                  </a:schemeClr>
+                </a:solidFill>
+                <a:effectLst>
+                  <a:reflection blurRad="6350" stA="55000" endA="300" endPos="45500" dir="5400000" sy="-100000" algn="bl" rotWithShape="0"/>
+                </a:effectLst>
+                <a:latin typeface="HGP行書体" pitchFamily="66" charset="-128"/>
+                <a:ea typeface="HGP行書体" pitchFamily="66" charset="-128"/>
+                <a:cs typeface="Aharoni" pitchFamily="2" charset="-79"/>
+              </a:rPr>
+              <a:t>++</a:t>
+            </a:r>
+            <a:endParaRPr kumimoji="1" lang="en-US" altLang="ja-JP" sz="2800" b="0" u="none" spc="300" dirty="0" smtClean="0">
+              <a:ln w="19050">
+                <a:solidFill>
+                  <a:schemeClr val="tx2">
+                    <a:lumMod val="75000"/>
+                  </a:schemeClr>
+                </a:solidFill>
+                <a:prstDash val="solid"/>
+                <a:miter lim="800000"/>
+              </a:ln>
+              <a:solidFill>
+                <a:schemeClr val="tx2">
+                  <a:lumMod val="75000"/>
+                </a:schemeClr>
+              </a:solidFill>
+              <a:effectLst>
+                <a:reflection blurRad="6350" stA="55000" endA="300" endPos="45500" dir="5400000" sy="-100000" algn="bl" rotWithShape="0"/>
+              </a:effectLst>
+              <a:latin typeface="HGP行書体" pitchFamily="66" charset="-128"/>
+              <a:ea typeface="HGP行書体" pitchFamily="66" charset="-128"/>
+              <a:cs typeface="Aharoni" pitchFamily="2" charset="-79"/>
+            </a:endParaRPr>
           </a:p>
         </p:txBody>
       </p:sp>
@@ -2232,6 +2414,9 @@
   <p:clrMapOvr>
     <a:masterClrMapping/>
   </p:clrMapOvr>
+  <p:transition>
+    <p:fade/>
+  </p:transition>
 </p:sldLayout>
 </file>
 
@@ -2481,9 +2666,8 @@
           <a:bodyPr/>
           <a:lstStyle/>
           <a:p>
-            <a:fld id="{E90ED720-0104-4369-84BC-D37694168613}" type="datetimeFigureOut">
-              <a:rPr kumimoji="1" lang="ja-JP" altLang="en-US" smtClean="0"/>
-              <a:pPr/>
+            <a:fld id="{C2E6BA9C-D01F-4665-A7DD-1D8B8337740E}" type="datetimeFigureOut">
+              <a:rPr kumimoji="1" lang="ja-JP" altLang="en-US" smtClean="0"/>
               <a:t>2013/3/10</a:t>
             </a:fld>
             <a:endParaRPr kumimoji="1" lang="ja-JP" altLang="en-US"/>
@@ -2519,14 +2703,21 @@
             <p:ph type="sldNum" sz="quarter" idx="12"/>
           </p:nvPr>
         </p:nvSpPr>
-        <p:spPr/>
+        <p:spPr>
+          <a:xfrm>
+            <a:off x="6553200" y="6356350"/>
+            <a:ext cx="2133600" cy="365125"/>
+          </a:xfrm>
+          <a:prstGeom prst="rect">
+            <a:avLst/>
+          </a:prstGeom>
+        </p:spPr>
         <p:txBody>
           <a:bodyPr/>
           <a:lstStyle/>
           <a:p>
-            <a:fld id="{D2D8002D-B5B0-4BAC-B1F6-782DDCCE6D9C}" type="slidenum">
-              <a:rPr kumimoji="1" lang="ja-JP" altLang="en-US" smtClean="0"/>
-              <a:pPr/>
+            <a:fld id="{E4A9B57C-4469-4EC6-9FAE-85D621668D21}" type="slidenum">
+              <a:rPr kumimoji="1" lang="ja-JP" altLang="en-US" smtClean="0"/>
               <a:t>&lt;#&gt;</a:t>
             </a:fld>
             <a:endParaRPr kumimoji="1" lang="ja-JP" altLang="en-US"/>
@@ -2538,6 +2729,9 @@
   <p:clrMapOvr>
     <a:masterClrMapping/>
   </p:clrMapOvr>
+  <p:transition>
+    <p:fade/>
+  </p:transition>
 </p:sldLayout>
 </file>
 
@@ -2731,9 +2925,8 @@
           <a:bodyPr/>
           <a:lstStyle/>
           <a:p>
-            <a:fld id="{E90ED720-0104-4369-84BC-D37694168613}" type="datetimeFigureOut">
-              <a:rPr kumimoji="1" lang="ja-JP" altLang="en-US" smtClean="0"/>
-              <a:pPr/>
+            <a:fld id="{C2E6BA9C-D01F-4665-A7DD-1D8B8337740E}" type="datetimeFigureOut">
+              <a:rPr kumimoji="1" lang="ja-JP" altLang="en-US" smtClean="0"/>
               <a:t>2013/3/10</a:t>
             </a:fld>
             <a:endParaRPr kumimoji="1" lang="ja-JP" altLang="en-US"/>
@@ -2769,14 +2962,21 @@
             <p:ph type="sldNum" sz="quarter" idx="12"/>
           </p:nvPr>
         </p:nvSpPr>
-        <p:spPr/>
+        <p:spPr>
+          <a:xfrm>
+            <a:off x="6553200" y="6356350"/>
+            <a:ext cx="2133600" cy="365125"/>
+          </a:xfrm>
+          <a:prstGeom prst="rect">
+            <a:avLst/>
+          </a:prstGeom>
+        </p:spPr>
         <p:txBody>
           <a:bodyPr/>
           <a:lstStyle/>
           <a:p>
-            <a:fld id="{D2D8002D-B5B0-4BAC-B1F6-782DDCCE6D9C}" type="slidenum">
-              <a:rPr kumimoji="1" lang="ja-JP" altLang="en-US" smtClean="0"/>
-              <a:pPr/>
+            <a:fld id="{E4A9B57C-4469-4EC6-9FAE-85D621668D21}" type="slidenum">
+              <a:rPr kumimoji="1" lang="ja-JP" altLang="en-US" smtClean="0"/>
               <a:t>&lt;#&gt;</a:t>
             </a:fld>
             <a:endParaRPr kumimoji="1" lang="ja-JP" altLang="en-US"/>
@@ -2788,6 +2988,9 @@
   <p:clrMapOvr>
     <a:masterClrMapping/>
   </p:clrMapOvr>
+  <p:transition>
+    <p:fade/>
+  </p:transition>
 </p:sldLayout>
 </file>
 
@@ -2795,9 +2998,19 @@
 <p:sldMaster xmlns:a="http://schemas.openxmlformats.org/drawingml/2006/main" xmlns:r="http://schemas.openxmlformats.org/officeDocument/2006/relationships" xmlns:p="http://schemas.openxmlformats.org/presentationml/2006/main">
   <p:cSld>
     <p:bg>
-      <p:bgRef idx="1001">
-        <a:schemeClr val="bg1"/>
-      </p:bgRef>
+      <p:bgPr>
+        <a:blipFill dpi="0" rotWithShape="1">
+          <a:blip r:embed="rId13" cstate="print">
+            <a:alphaModFix amt="89000"/>
+            <a:lum/>
+          </a:blip>
+          <a:srcRect/>
+          <a:stretch>
+            <a:fillRect/>
+          </a:stretch>
+        </a:blipFill>
+        <a:effectLst/>
+      </p:bgPr>
     </p:bg>
     <p:spTree>
       <p:nvGrpSpPr>
@@ -2973,9 +3186,8 @@
             </a:lvl1pPr>
           </a:lstStyle>
           <a:p>
-            <a:fld id="{E90ED720-0104-4369-84BC-D37694168613}" type="datetimeFigureOut">
-              <a:rPr kumimoji="1" lang="ja-JP" altLang="en-US" smtClean="0"/>
-              <a:pPr/>
+            <a:fld id="{C2E6BA9C-D01F-4665-A7DD-1D8B8337740E}" type="datetimeFigureOut">
+              <a:rPr kumimoji="1" lang="ja-JP" altLang="en-US" smtClean="0"/>
               <a:t>2013/3/10</a:t>
             </a:fld>
             <a:endParaRPr kumimoji="1" lang="ja-JP" altLang="en-US"/>
@@ -3015,48 +3227,6 @@
             </a:lvl1pPr>
           </a:lstStyle>
           <a:p>
-            <a:endParaRPr kumimoji="1" lang="ja-JP" altLang="en-US"/>
-          </a:p>
-        </p:txBody>
-      </p:sp>
-      <p:sp>
-        <p:nvSpPr>
-          <p:cNvPr id="6" name="スライド番号プレースホルダ 5"/>
-          <p:cNvSpPr>
-            <a:spLocks noGrp="1"/>
-          </p:cNvSpPr>
-          <p:nvPr>
-            <p:ph type="sldNum" sz="quarter" idx="4"/>
-          </p:nvPr>
-        </p:nvSpPr>
-        <p:spPr>
-          <a:xfrm>
-            <a:off x="6553200" y="6356350"/>
-            <a:ext cx="2133600" cy="365125"/>
-          </a:xfrm>
-          <a:prstGeom prst="rect">
-            <a:avLst/>
-          </a:prstGeom>
-        </p:spPr>
-        <p:txBody>
-          <a:bodyPr vert="horz" lIns="91440" tIns="45720" rIns="91440" bIns="45720" rtlCol="0" anchor="ctr"/>
-          <a:lstStyle>
-            <a:lvl1pPr algn="r">
-              <a:defRPr sz="1200">
-                <a:solidFill>
-                  <a:schemeClr val="tx1">
-                    <a:tint val="75000"/>
-                  </a:schemeClr>
-                </a:solidFill>
-              </a:defRPr>
-            </a:lvl1pPr>
-          </a:lstStyle>
-          <a:p>
-            <a:fld id="{D2D8002D-B5B0-4BAC-B1F6-782DDCCE6D9C}" type="slidenum">
-              <a:rPr kumimoji="1" lang="ja-JP" altLang="en-US" smtClean="0"/>
-              <a:pPr/>
-              <a:t>&lt;#&gt;</a:t>
-            </a:fld>
             <a:endParaRPr kumimoji="1" lang="ja-JP" altLang="en-US"/>
           </a:p>
         </p:txBody>
@@ -3077,6 +3247,9 @@
     <p:sldLayoutId id="2147483658" r:id="rId10"/>
     <p:sldLayoutId id="2147483659" r:id="rId11"/>
   </p:sldLayoutIdLst>
+  <p:transition>
+    <p:fade/>
+  </p:transition>
   <p:txStyles>
     <p:titleStyle>
       <a:lvl1pPr algn="ctr" defTabSz="914400" rtl="0" eaLnBrk="1" latinLnBrk="0" hangingPunct="1">
@@ -3357,12 +3530,41 @@
             <p:ph type="ctrTitle"/>
           </p:nvPr>
         </p:nvSpPr>
-        <p:spPr/>
+        <p:spPr>
+          <a:xfrm>
+            <a:off x="611560" y="1772816"/>
+            <a:ext cx="7772400" cy="1470025"/>
+          </a:xfrm>
+        </p:spPr>
         <p:txBody>
           <a:bodyPr/>
           <a:lstStyle/>
           <a:p>
-            <a:endParaRPr kumimoji="1" lang="ja-JP" altLang="en-US"/>
+            <a:r>
+              <a:rPr lang="ja-JP" altLang="en-US" sz="5400" dirty="0">
+                <a:latin typeface="HGP行書体" pitchFamily="66" charset="-128"/>
+                <a:ea typeface="HGP行書体" pitchFamily="66" charset="-128"/>
+              </a:rPr>
+              <a:t>チーム</a:t>
+            </a:r>
+            <a:r>
+              <a:rPr kumimoji="1" lang="ja-JP" altLang="en-US" sz="6600" dirty="0" smtClean="0">
+                <a:latin typeface="HGP行書体" pitchFamily="66" charset="-128"/>
+                <a:ea typeface="HGP行書体" pitchFamily="66" charset="-128"/>
+              </a:rPr>
+              <a:t>三三</a:t>
+            </a:r>
+            <a:r>
+              <a:rPr kumimoji="1" lang="en-US" altLang="ja-JP" sz="6000" dirty="0" smtClean="0">
+                <a:latin typeface="HGP行書体" pitchFamily="66" charset="-128"/>
+                <a:ea typeface="HGP行書体" pitchFamily="66" charset="-128"/>
+              </a:rPr>
+              <a:t>++</a:t>
+            </a:r>
+            <a:endParaRPr kumimoji="1" lang="ja-JP" altLang="en-US" sz="6600" dirty="0">
+              <a:latin typeface="HGP行書体" pitchFamily="66" charset="-128"/>
+              <a:ea typeface="HGP行書体" pitchFamily="66" charset="-128"/>
+            </a:endParaRPr>
           </a:p>
         </p:txBody>
       </p:sp>
@@ -3376,12 +3578,156 @@
             <p:ph type="subTitle" idx="1"/>
           </p:nvPr>
         </p:nvSpPr>
-        <p:spPr/>
-        <p:txBody>
-          <a:bodyPr/>
-          <a:lstStyle/>
-          <a:p>
-            <a:endParaRPr kumimoji="1" lang="ja-JP" altLang="en-US"/>
+        <p:spPr>
+          <a:xfrm>
+            <a:off x="971600" y="3886200"/>
+            <a:ext cx="7560840" cy="1752600"/>
+          </a:xfrm>
+        </p:spPr>
+        <p:txBody>
+          <a:bodyPr>
+            <a:normAutofit/>
+          </a:bodyPr>
+          <a:lstStyle/>
+          <a:p>
+            <a:r>
+              <a:rPr lang="ja-JP" altLang="en-US" dirty="0" smtClean="0">
+                <a:solidFill>
+                  <a:schemeClr val="accent1">
+                    <a:lumMod val="75000"/>
+                  </a:schemeClr>
+                </a:solidFill>
+                <a:latin typeface="HGS明朝E" pitchFamily="18" charset="-128"/>
+                <a:ea typeface="HGS明朝E" pitchFamily="18" charset="-128"/>
+              </a:rPr>
+              <a:t>桐山</a:t>
+            </a:r>
+            <a:r>
+              <a:rPr lang="ja-JP" altLang="en-US" dirty="0">
+                <a:solidFill>
+                  <a:schemeClr val="accent1">
+                    <a:lumMod val="75000"/>
+                  </a:schemeClr>
+                </a:solidFill>
+                <a:latin typeface="HGS明朝E" pitchFamily="18" charset="-128"/>
+                <a:ea typeface="HGS明朝E" pitchFamily="18" charset="-128"/>
+              </a:rPr>
+              <a:t>裕平</a:t>
+            </a:r>
+            <a:r>
+              <a:rPr lang="ja-JP" altLang="en-US" dirty="0" smtClean="0">
+                <a:solidFill>
+                  <a:schemeClr val="accent1">
+                    <a:lumMod val="75000"/>
+                  </a:schemeClr>
+                </a:solidFill>
+                <a:latin typeface="HGS明朝E" pitchFamily="18" charset="-128"/>
+                <a:ea typeface="HGS明朝E" pitchFamily="18" charset="-128"/>
+              </a:rPr>
+              <a:t> </a:t>
+            </a:r>
+            <a:r>
+              <a:rPr kumimoji="1" lang="ja-JP" altLang="en-US" dirty="0" smtClean="0">
+                <a:solidFill>
+                  <a:schemeClr val="accent1">
+                    <a:lumMod val="75000"/>
+                  </a:schemeClr>
+                </a:solidFill>
+                <a:latin typeface="HGS明朝E" pitchFamily="18" charset="-128"/>
+                <a:ea typeface="HGS明朝E" pitchFamily="18" charset="-128"/>
+              </a:rPr>
+              <a:t>、索手一平、須磨菜穂子</a:t>
+            </a:r>
+            <a:endParaRPr kumimoji="1" lang="en-US" altLang="ja-JP" dirty="0" smtClean="0">
+              <a:solidFill>
+                <a:schemeClr val="accent1">
+                  <a:lumMod val="75000"/>
+                </a:schemeClr>
+              </a:solidFill>
+              <a:latin typeface="HGS明朝E" pitchFamily="18" charset="-128"/>
+              <a:ea typeface="HGS明朝E" pitchFamily="18" charset="-128"/>
+            </a:endParaRPr>
+          </a:p>
+          <a:p>
+            <a:r>
+              <a:rPr lang="en-US" altLang="ja-JP" dirty="0" smtClean="0">
+                <a:solidFill>
+                  <a:schemeClr val="accent1">
+                    <a:lumMod val="75000"/>
+                  </a:schemeClr>
+                </a:solidFill>
+                <a:latin typeface="HGS明朝E" pitchFamily="18" charset="-128"/>
+                <a:ea typeface="HGS明朝E" pitchFamily="18" charset="-128"/>
+              </a:rPr>
+              <a:t>(</a:t>
+            </a:r>
+            <a:r>
+              <a:rPr lang="ja-JP" altLang="en-US" dirty="0" smtClean="0">
+                <a:solidFill>
+                  <a:schemeClr val="accent1">
+                    <a:lumMod val="75000"/>
+                  </a:schemeClr>
+                </a:solidFill>
+                <a:latin typeface="HGS明朝E" pitchFamily="18" charset="-128"/>
+                <a:ea typeface="HGS明朝E" pitchFamily="18" charset="-128"/>
+              </a:rPr>
+              <a:t>名刺に書いたりしたらかっこいいかも</a:t>
+            </a:r>
+            <a:r>
+              <a:rPr lang="en-US" altLang="ja-JP" dirty="0" smtClean="0">
+                <a:solidFill>
+                  <a:schemeClr val="accent1">
+                    <a:lumMod val="75000"/>
+                  </a:schemeClr>
+                </a:solidFill>
+                <a:latin typeface="HGS明朝E" pitchFamily="18" charset="-128"/>
+                <a:ea typeface="HGS明朝E" pitchFamily="18" charset="-128"/>
+              </a:rPr>
+              <a:t>)</a:t>
+            </a:r>
+            <a:endParaRPr kumimoji="1" lang="ja-JP" altLang="en-US" dirty="0">
+              <a:solidFill>
+                <a:schemeClr val="accent1">
+                  <a:lumMod val="75000"/>
+                </a:schemeClr>
+              </a:solidFill>
+              <a:latin typeface="HGS明朝E" pitchFamily="18" charset="-128"/>
+              <a:ea typeface="HGS明朝E" pitchFamily="18" charset="-128"/>
+            </a:endParaRPr>
+          </a:p>
+        </p:txBody>
+      </p:sp>
+      <p:sp>
+        <p:nvSpPr>
+          <p:cNvPr id="4" name="テキスト ボックス 3"/>
+          <p:cNvSpPr txBox="1"/>
+          <p:nvPr/>
+        </p:nvSpPr>
+        <p:spPr>
+          <a:xfrm>
+            <a:off x="2483768" y="1052736"/>
+            <a:ext cx="4032448" cy="646331"/>
+          </a:xfrm>
+          <a:prstGeom prst="rect">
+            <a:avLst/>
+          </a:prstGeom>
+          <a:noFill/>
+        </p:spPr>
+        <p:txBody>
+          <a:bodyPr wrap="square" rtlCol="0">
+            <a:spAutoFit/>
+          </a:bodyPr>
+          <a:lstStyle/>
+          <a:p>
+            <a:r>
+              <a:rPr lang="en-US" altLang="ja-JP" sz="3600" dirty="0" err="1" smtClean="0">
+                <a:latin typeface="Century" pitchFamily="18" charset="0"/>
+              </a:rPr>
+              <a:t>Sansan.Inc</a:t>
+            </a:r>
+            <a:endParaRPr lang="en-US" altLang="ja-JP" sz="3600" dirty="0" smtClean="0">
+              <a:latin typeface="Century" pitchFamily="18" charset="0"/>
+            </a:endParaRPr>
           </a:p>
         </p:txBody>
       </p:sp>
@@ -3390,6 +3736,1885 @@
   <p:clrMapOvr>
     <a:masterClrMapping/>
   </p:clrMapOvr>
+  <p:transition>
+    <p:fade/>
+  </p:transition>
+  <p:timing>
+    <p:tnLst>
+      <p:par>
+        <p:cTn id="1" dur="indefinite" restart="never" nodeType="tmRoot"/>
+      </p:par>
+    </p:tnLst>
+  </p:timing>
+</p:sld>
+</file>
+
+<file path=ppt/slides/slide2.xml><?xml version="1.0" encoding="utf-8"?>
+<p:sld xmlns:a="http://schemas.openxmlformats.org/drawingml/2006/main" xmlns:r="http://schemas.openxmlformats.org/officeDocument/2006/relationships" xmlns:p="http://schemas.openxmlformats.org/presentationml/2006/main">
+  <p:cSld>
+    <p:spTree>
+      <p:nvGrpSpPr>
+        <p:cNvPr id="1" name=""/>
+        <p:cNvGrpSpPr/>
+        <p:nvPr/>
+      </p:nvGrpSpPr>
+      <p:grpSpPr>
+        <a:xfrm>
+          <a:off x="0" y="0"/>
+          <a:ext cx="0" cy="0"/>
+          <a:chOff x="0" y="0"/>
+          <a:chExt cx="0" cy="0"/>
+        </a:xfrm>
+      </p:grpSpPr>
+      <p:sp>
+        <p:nvSpPr>
+          <p:cNvPr id="2" name="テキスト ボックス 1"/>
+          <p:cNvSpPr txBox="1"/>
+          <p:nvPr/>
+        </p:nvSpPr>
+        <p:spPr>
+          <a:xfrm>
+            <a:off x="1259632" y="836712"/>
+            <a:ext cx="4320480" cy="369332"/>
+          </a:xfrm>
+          <a:prstGeom prst="rect">
+            <a:avLst/>
+          </a:prstGeom>
+          <a:noFill/>
+        </p:spPr>
+        <p:txBody>
+          <a:bodyPr wrap="square" rtlCol="0">
+            <a:spAutoFit/>
+          </a:bodyPr>
+          <a:lstStyle/>
+          <a:p>
+            <a:r>
+              <a:rPr kumimoji="1" lang="ja-JP" altLang="en-US" dirty="0" smtClean="0"/>
+              <a:t>１．</a:t>
+            </a:r>
+            <a:r>
+              <a:rPr kumimoji="1" lang="en-US" altLang="ja-JP" dirty="0" err="1" smtClean="0"/>
+              <a:t>Sansan</a:t>
+            </a:r>
+            <a:r>
+              <a:rPr lang="ja-JP" altLang="en-US" dirty="0" smtClean="0"/>
+              <a:t>について</a:t>
+            </a:r>
+            <a:endParaRPr kumimoji="1" lang="en-US" altLang="ja-JP" dirty="0" smtClean="0"/>
+          </a:p>
+        </p:txBody>
+      </p:sp>
+      <p:sp>
+        <p:nvSpPr>
+          <p:cNvPr id="3" name="テキスト ボックス 2"/>
+          <p:cNvSpPr txBox="1"/>
+          <p:nvPr/>
+        </p:nvSpPr>
+        <p:spPr>
+          <a:xfrm>
+            <a:off x="1259632" y="1268760"/>
+            <a:ext cx="4176464" cy="369332"/>
+          </a:xfrm>
+          <a:prstGeom prst="rect">
+            <a:avLst/>
+          </a:prstGeom>
+          <a:noFill/>
+        </p:spPr>
+        <p:txBody>
+          <a:bodyPr wrap="square" rtlCol="0">
+            <a:spAutoFit/>
+          </a:bodyPr>
+          <a:lstStyle/>
+          <a:p>
+            <a:r>
+              <a:rPr kumimoji="1" lang="ja-JP" altLang="en-US" dirty="0" smtClean="0"/>
+              <a:t>２．開発したものの紹介</a:t>
+            </a:r>
+            <a:endParaRPr kumimoji="1" lang="ja-JP" altLang="en-US" dirty="0"/>
+          </a:p>
+        </p:txBody>
+      </p:sp>
+      <p:sp>
+        <p:nvSpPr>
+          <p:cNvPr id="4" name="テキスト ボックス 3"/>
+          <p:cNvSpPr txBox="1"/>
+          <p:nvPr/>
+        </p:nvSpPr>
+        <p:spPr>
+          <a:xfrm>
+            <a:off x="1763688" y="260648"/>
+            <a:ext cx="3600400" cy="369332"/>
+          </a:xfrm>
+          <a:prstGeom prst="rect">
+            <a:avLst/>
+          </a:prstGeom>
+          <a:noFill/>
+        </p:spPr>
+        <p:txBody>
+          <a:bodyPr wrap="square" rtlCol="0">
+            <a:spAutoFit/>
+          </a:bodyPr>
+          <a:lstStyle/>
+          <a:p>
+            <a:r>
+              <a:rPr kumimoji="1" lang="en-US" altLang="ja-JP" dirty="0" smtClean="0"/>
+              <a:t>(</a:t>
+            </a:r>
+            <a:r>
+              <a:rPr kumimoji="1" lang="ja-JP" altLang="en-US" dirty="0" smtClean="0"/>
+              <a:t>目次</a:t>
+            </a:r>
+            <a:r>
+              <a:rPr kumimoji="1" lang="en-US" altLang="ja-JP" dirty="0" smtClean="0"/>
+              <a:t>)</a:t>
+            </a:r>
+            <a:endParaRPr kumimoji="1" lang="ja-JP" altLang="en-US" dirty="0"/>
+          </a:p>
+        </p:txBody>
+      </p:sp>
+    </p:spTree>
+  </p:cSld>
+  <p:clrMapOvr>
+    <a:masterClrMapping/>
+  </p:clrMapOvr>
+  <p:transition>
+    <p:fade/>
+  </p:transition>
+  <p:timing>
+    <p:tnLst>
+      <p:par>
+        <p:cTn id="1" dur="indefinite" restart="never" nodeType="tmRoot"/>
+      </p:par>
+    </p:tnLst>
+  </p:timing>
+</p:sld>
+</file>
+
+<file path=ppt/slides/slide3.xml><?xml version="1.0" encoding="utf-8"?>
+<p:sld xmlns:a="http://schemas.openxmlformats.org/drawingml/2006/main" xmlns:r="http://schemas.openxmlformats.org/officeDocument/2006/relationships" xmlns:p="http://schemas.openxmlformats.org/presentationml/2006/main">
+  <p:cSld>
+    <p:spTree>
+      <p:nvGrpSpPr>
+        <p:cNvPr id="1" name=""/>
+        <p:cNvGrpSpPr/>
+        <p:nvPr/>
+      </p:nvGrpSpPr>
+      <p:grpSpPr>
+        <a:xfrm>
+          <a:off x="0" y="0"/>
+          <a:ext cx="0" cy="0"/>
+          <a:chOff x="0" y="0"/>
+          <a:chExt cx="0" cy="0"/>
+        </a:xfrm>
+      </p:grpSpPr>
+      <p:sp>
+        <p:nvSpPr>
+          <p:cNvPr id="3" name="テキスト ボックス 2"/>
+          <p:cNvSpPr txBox="1"/>
+          <p:nvPr/>
+        </p:nvSpPr>
+        <p:spPr>
+          <a:xfrm>
+            <a:off x="467544" y="1999868"/>
+            <a:ext cx="8424936" cy="4093428"/>
+          </a:xfrm>
+          <a:prstGeom prst="rect">
+            <a:avLst/>
+          </a:prstGeom>
+          <a:solidFill>
+            <a:schemeClr val="bg1">
+              <a:alpha val="55000"/>
+            </a:schemeClr>
+          </a:solidFill>
+        </p:spPr>
+        <p:txBody>
+          <a:bodyPr wrap="square" rtlCol="0">
+            <a:spAutoFit/>
+          </a:bodyPr>
+          <a:lstStyle/>
+          <a:p>
+            <a:r>
+              <a:rPr lang="zh-CN" altLang="en-US" sz="2000" b="1" dirty="0" smtClean="0">
+                <a:latin typeface="HG丸ｺﾞｼｯｸM-PRO" pitchFamily="50" charset="-128"/>
+                <a:ea typeface="HG丸ｺﾞｼｯｸM-PRO" pitchFamily="50" charset="-128"/>
+              </a:rPr>
+              <a:t>商　号</a:t>
+            </a:r>
+            <a:r>
+              <a:rPr lang="en-US" altLang="zh-CN" sz="2000" b="1" dirty="0" smtClean="0">
+                <a:latin typeface="HG丸ｺﾞｼｯｸM-PRO" pitchFamily="50" charset="-128"/>
+                <a:ea typeface="HG丸ｺﾞｼｯｸM-PRO" pitchFamily="50" charset="-128"/>
+              </a:rPr>
+              <a:t>		</a:t>
+            </a:r>
+            <a:r>
+              <a:rPr lang="en-US" altLang="zh-CN" sz="2000" b="1" dirty="0" err="1" smtClean="0">
+                <a:latin typeface="HG丸ｺﾞｼｯｸM-PRO" pitchFamily="50" charset="-128"/>
+                <a:ea typeface="HG丸ｺﾞｼｯｸM-PRO" pitchFamily="50" charset="-128"/>
+              </a:rPr>
+              <a:t>Sansan</a:t>
+            </a:r>
+            <a:r>
+              <a:rPr lang="zh-CN" altLang="en-US" sz="2000" b="1" dirty="0" smtClean="0">
+                <a:latin typeface="HG丸ｺﾞｼｯｸM-PRO" pitchFamily="50" charset="-128"/>
+                <a:ea typeface="HG丸ｺﾞｼｯｸM-PRO" pitchFamily="50" charset="-128"/>
+              </a:rPr>
+              <a:t>株式会社（登記名：三三株式会社）</a:t>
+            </a:r>
+            <a:r>
+              <a:rPr lang="en-US" altLang="zh-CN" sz="2000" b="1" dirty="0" smtClean="0">
+                <a:latin typeface="HG丸ｺﾞｼｯｸM-PRO" pitchFamily="50" charset="-128"/>
+                <a:ea typeface="HG丸ｺﾞｼｯｸM-PRO" pitchFamily="50" charset="-128"/>
+              </a:rPr>
+              <a:t/>
+            </a:r>
+            <a:br>
+              <a:rPr lang="en-US" altLang="zh-CN" sz="2000" b="1" dirty="0" smtClean="0">
+                <a:latin typeface="HG丸ｺﾞｼｯｸM-PRO" pitchFamily="50" charset="-128"/>
+                <a:ea typeface="HG丸ｺﾞｼｯｸM-PRO" pitchFamily="50" charset="-128"/>
+              </a:rPr>
+            </a:br>
+            <a:endParaRPr lang="ja-JP" altLang="en-US" sz="2000" b="1" dirty="0" smtClean="0">
+              <a:latin typeface="HG丸ｺﾞｼｯｸM-PRO" pitchFamily="50" charset="-128"/>
+              <a:ea typeface="HG丸ｺﾞｼｯｸM-PRO" pitchFamily="50" charset="-128"/>
+            </a:endParaRPr>
+          </a:p>
+          <a:p>
+            <a:r>
+              <a:rPr lang="ja-JP" altLang="en-US" sz="2000" b="1" dirty="0" smtClean="0">
+                <a:latin typeface="HG丸ｺﾞｼｯｸM-PRO" pitchFamily="50" charset="-128"/>
+                <a:ea typeface="HG丸ｺﾞｼｯｸM-PRO" pitchFamily="50" charset="-128"/>
+              </a:rPr>
+              <a:t>代表者</a:t>
+            </a:r>
+            <a:r>
+              <a:rPr lang="en-US" altLang="ja-JP" sz="2000" b="1" dirty="0" smtClean="0">
+                <a:latin typeface="HG丸ｺﾞｼｯｸM-PRO" pitchFamily="50" charset="-128"/>
+                <a:ea typeface="HG丸ｺﾞｼｯｸM-PRO" pitchFamily="50" charset="-128"/>
+              </a:rPr>
+              <a:t>		</a:t>
+            </a:r>
+            <a:r>
+              <a:rPr lang="ja-JP" altLang="en-US" sz="2000" b="1" dirty="0" smtClean="0">
+                <a:latin typeface="HG丸ｺﾞｼｯｸM-PRO" pitchFamily="50" charset="-128"/>
+                <a:ea typeface="HG丸ｺﾞｼｯｸM-PRO" pitchFamily="50" charset="-128"/>
+              </a:rPr>
+              <a:t>代表取締役社長</a:t>
+            </a:r>
+            <a:r>
+              <a:rPr lang="en-US" altLang="ja-JP" sz="2000" b="1" dirty="0" smtClean="0">
+                <a:latin typeface="HG丸ｺﾞｼｯｸM-PRO" pitchFamily="50" charset="-128"/>
+                <a:ea typeface="HG丸ｺﾞｼｯｸM-PRO" pitchFamily="50" charset="-128"/>
+              </a:rPr>
+              <a:t>	</a:t>
+            </a:r>
+            <a:r>
+              <a:rPr lang="ja-JP" altLang="en-US" sz="2000" b="1" dirty="0" smtClean="0">
+                <a:latin typeface="HG丸ｺﾞｼｯｸM-PRO" pitchFamily="50" charset="-128"/>
+                <a:ea typeface="HG丸ｺﾞｼｯｸM-PRO" pitchFamily="50" charset="-128"/>
+              </a:rPr>
+              <a:t>寺田親弘</a:t>
+            </a:r>
+            <a:endParaRPr lang="en-US" altLang="zh-CN" sz="2000" b="1" dirty="0">
+              <a:latin typeface="HG丸ｺﾞｼｯｸM-PRO" pitchFamily="50" charset="-128"/>
+              <a:ea typeface="HG丸ｺﾞｼｯｸM-PRO" pitchFamily="50" charset="-128"/>
+            </a:endParaRPr>
+          </a:p>
+          <a:p>
+            <a:r>
+              <a:rPr lang="en-US" altLang="zh-CN" sz="2000" b="1" dirty="0" smtClean="0">
+                <a:latin typeface="HG丸ｺﾞｼｯｸM-PRO" pitchFamily="50" charset="-128"/>
+                <a:ea typeface="HG丸ｺﾞｼｯｸM-PRO" pitchFamily="50" charset="-128"/>
+              </a:rPr>
+              <a:t>	</a:t>
+            </a:r>
+            <a:br>
+              <a:rPr lang="en-US" altLang="zh-CN" sz="2000" b="1" dirty="0" smtClean="0">
+                <a:latin typeface="HG丸ｺﾞｼｯｸM-PRO" pitchFamily="50" charset="-128"/>
+                <a:ea typeface="HG丸ｺﾞｼｯｸM-PRO" pitchFamily="50" charset="-128"/>
+              </a:rPr>
+            </a:br>
+            <a:r>
+              <a:rPr lang="ja-JP" altLang="en-US" sz="2000" b="1" dirty="0" smtClean="0">
+                <a:latin typeface="HG丸ｺﾞｼｯｸM-PRO" pitchFamily="50" charset="-128"/>
+                <a:ea typeface="HG丸ｺﾞｼｯｸM-PRO" pitchFamily="50" charset="-128"/>
+              </a:rPr>
+              <a:t>本社</a:t>
+            </a:r>
+            <a:r>
+              <a:rPr lang="en-US" altLang="ja-JP" sz="2000" b="1" dirty="0">
+                <a:latin typeface="HG丸ｺﾞｼｯｸM-PRO" pitchFamily="50" charset="-128"/>
+                <a:ea typeface="HG丸ｺﾞｼｯｸM-PRO" pitchFamily="50" charset="-128"/>
+              </a:rPr>
+              <a:t>	</a:t>
+            </a:r>
+            <a:r>
+              <a:rPr lang="en-US" altLang="ja-JP" sz="2000" b="1" dirty="0" smtClean="0">
+                <a:latin typeface="HG丸ｺﾞｼｯｸM-PRO" pitchFamily="50" charset="-128"/>
+                <a:ea typeface="HG丸ｺﾞｼｯｸM-PRO" pitchFamily="50" charset="-128"/>
+              </a:rPr>
+              <a:t>	</a:t>
+            </a:r>
+            <a:r>
+              <a:rPr lang="ja-JP" altLang="en-US" sz="2000" b="1" dirty="0" smtClean="0">
+                <a:latin typeface="HG丸ｺﾞｼｯｸM-PRO" pitchFamily="50" charset="-128"/>
+                <a:ea typeface="HG丸ｺﾞｼｯｸM-PRO" pitchFamily="50" charset="-128"/>
+              </a:rPr>
+              <a:t>〒</a:t>
+            </a:r>
+            <a:r>
+              <a:rPr lang="en-US" altLang="ja-JP" sz="2000" b="1" dirty="0">
+                <a:latin typeface="HG丸ｺﾞｼｯｸM-PRO" pitchFamily="50" charset="-128"/>
+                <a:ea typeface="HG丸ｺﾞｼｯｸM-PRO" pitchFamily="50" charset="-128"/>
+              </a:rPr>
+              <a:t>102-0074 </a:t>
+            </a:r>
+            <a:endParaRPr lang="en-US" altLang="ja-JP" sz="2000" b="1" dirty="0" smtClean="0">
+              <a:latin typeface="HG丸ｺﾞｼｯｸM-PRO" pitchFamily="50" charset="-128"/>
+              <a:ea typeface="HG丸ｺﾞｼｯｸM-PRO" pitchFamily="50" charset="-128"/>
+            </a:endParaRPr>
+          </a:p>
+          <a:p>
+            <a:r>
+              <a:rPr lang="en-US" altLang="ja-JP" sz="2000" b="1" dirty="0">
+                <a:latin typeface="HG丸ｺﾞｼｯｸM-PRO" pitchFamily="50" charset="-128"/>
+                <a:ea typeface="HG丸ｺﾞｼｯｸM-PRO" pitchFamily="50" charset="-128"/>
+              </a:rPr>
+              <a:t>	</a:t>
+            </a:r>
+            <a:r>
+              <a:rPr lang="en-US" altLang="ja-JP" sz="2000" b="1" dirty="0" smtClean="0">
+                <a:latin typeface="HG丸ｺﾞｼｯｸM-PRO" pitchFamily="50" charset="-128"/>
+                <a:ea typeface="HG丸ｺﾞｼｯｸM-PRO" pitchFamily="50" charset="-128"/>
+              </a:rPr>
+              <a:t>	</a:t>
+            </a:r>
+            <a:r>
+              <a:rPr lang="ja-JP" altLang="en-US" sz="2000" b="1" dirty="0" smtClean="0">
+                <a:latin typeface="HG丸ｺﾞｼｯｸM-PRO" pitchFamily="50" charset="-128"/>
+                <a:ea typeface="HG丸ｺﾞｼｯｸM-PRO" pitchFamily="50" charset="-128"/>
+              </a:rPr>
+              <a:t>東京都</a:t>
+            </a:r>
+            <a:r>
+              <a:rPr lang="ja-JP" altLang="en-US" sz="2000" b="1" dirty="0">
+                <a:latin typeface="HG丸ｺﾞｼｯｸM-PRO" pitchFamily="50" charset="-128"/>
+                <a:ea typeface="HG丸ｺﾞｼｯｸM-PRO" pitchFamily="50" charset="-128"/>
+              </a:rPr>
+              <a:t>千代田区九段南</a:t>
+            </a:r>
+            <a:r>
+              <a:rPr lang="en-US" altLang="ja-JP" sz="2000" b="1" dirty="0">
+                <a:latin typeface="HG丸ｺﾞｼｯｸM-PRO" pitchFamily="50" charset="-128"/>
+                <a:ea typeface="HG丸ｺﾞｼｯｸM-PRO" pitchFamily="50" charset="-128"/>
+              </a:rPr>
+              <a:t>4-7-15 JPR</a:t>
+            </a:r>
+            <a:r>
+              <a:rPr lang="ja-JP" altLang="en-US" sz="2000" b="1" dirty="0">
+                <a:latin typeface="HG丸ｺﾞｼｯｸM-PRO" pitchFamily="50" charset="-128"/>
+                <a:ea typeface="HG丸ｺﾞｼｯｸM-PRO" pitchFamily="50" charset="-128"/>
+              </a:rPr>
+              <a:t>市ヶ谷ビル</a:t>
+            </a:r>
+            <a:r>
+              <a:rPr lang="en-US" altLang="ja-JP" sz="2000" b="1" dirty="0" smtClean="0">
+                <a:latin typeface="HG丸ｺﾞｼｯｸM-PRO" pitchFamily="50" charset="-128"/>
+                <a:ea typeface="HG丸ｺﾞｼｯｸM-PRO" pitchFamily="50" charset="-128"/>
+              </a:rPr>
+              <a:t>6F</a:t>
+            </a:r>
+            <a:endParaRPr lang="ja-JP" altLang="en-US" sz="2000" b="1" dirty="0">
+              <a:latin typeface="HG丸ｺﾞｼｯｸM-PRO" pitchFamily="50" charset="-128"/>
+              <a:ea typeface="HG丸ｺﾞｼｯｸM-PRO" pitchFamily="50" charset="-128"/>
+            </a:endParaRPr>
+          </a:p>
+          <a:p>
+            <a:r>
+              <a:rPr lang="en-US" altLang="ja-JP" sz="2000" b="1" dirty="0" smtClean="0">
+                <a:latin typeface="HG丸ｺﾞｼｯｸM-PRO" pitchFamily="50" charset="-128"/>
+                <a:ea typeface="HG丸ｺﾞｼｯｸM-PRO" pitchFamily="50" charset="-128"/>
+              </a:rPr>
+              <a:t>		(</a:t>
+            </a:r>
+            <a:r>
+              <a:rPr lang="ja-JP" altLang="en-US" sz="2000" b="1" dirty="0" smtClean="0">
+                <a:latin typeface="HG丸ｺﾞｼｯｸM-PRO" pitchFamily="50" charset="-128"/>
+                <a:ea typeface="HG丸ｺﾞｼｯｸM-PRO" pitchFamily="50" charset="-128"/>
+              </a:rPr>
+              <a:t>サテライトオフィス</a:t>
+            </a:r>
+            <a:r>
+              <a:rPr lang="en-US" altLang="ja-JP" sz="2000" b="1" dirty="0" smtClean="0">
+                <a:latin typeface="HG丸ｺﾞｼｯｸM-PRO" pitchFamily="50" charset="-128"/>
+                <a:ea typeface="HG丸ｺﾞｼｯｸM-PRO" pitchFamily="50" charset="-128"/>
+              </a:rPr>
+              <a:t>)</a:t>
+            </a:r>
+            <a:r>
+              <a:rPr lang="ja-JP" altLang="en-US" sz="2000" b="1" dirty="0">
+                <a:latin typeface="HG丸ｺﾞｼｯｸM-PRO" pitchFamily="50" charset="-128"/>
+                <a:ea typeface="HG丸ｺﾞｼｯｸM-PRO" pitchFamily="50" charset="-128"/>
+              </a:rPr>
+              <a:t>　徳島県　神山</a:t>
+            </a:r>
+            <a:r>
+              <a:rPr lang="ja-JP" altLang="en-US" sz="2000" b="1" dirty="0" smtClean="0">
+                <a:latin typeface="HG丸ｺﾞｼｯｸM-PRO" pitchFamily="50" charset="-128"/>
+                <a:ea typeface="HG丸ｺﾞｼｯｸM-PRO" pitchFamily="50" charset="-128"/>
+              </a:rPr>
+              <a:t>ラボ</a:t>
+            </a:r>
+            <a:endParaRPr lang="en-US" altLang="ja-JP" sz="2000" b="1" dirty="0" smtClean="0">
+              <a:latin typeface="HG丸ｺﾞｼｯｸM-PRO" pitchFamily="50" charset="-128"/>
+              <a:ea typeface="HG丸ｺﾞｼｯｸM-PRO" pitchFamily="50" charset="-128"/>
+            </a:endParaRPr>
+          </a:p>
+          <a:p>
+            <a:endParaRPr kumimoji="1" lang="en-US" altLang="ja-JP" sz="2000" b="1" dirty="0">
+              <a:latin typeface="HG丸ｺﾞｼｯｸM-PRO" pitchFamily="50" charset="-128"/>
+              <a:ea typeface="HG丸ｺﾞｼｯｸM-PRO" pitchFamily="50" charset="-128"/>
+            </a:endParaRPr>
+          </a:p>
+          <a:p>
+            <a:r>
+              <a:rPr lang="ja-JP" altLang="en-US" sz="2000" b="1" dirty="0" smtClean="0">
+                <a:latin typeface="HG丸ｺﾞｼｯｸM-PRO" pitchFamily="50" charset="-128"/>
+                <a:ea typeface="HG丸ｺﾞｼｯｸM-PRO" pitchFamily="50" charset="-128"/>
+              </a:rPr>
+              <a:t>設立</a:t>
+            </a:r>
+            <a:r>
+              <a:rPr lang="en-US" altLang="ja-JP" sz="2000" b="1" dirty="0" smtClean="0">
+                <a:latin typeface="HG丸ｺﾞｼｯｸM-PRO" pitchFamily="50" charset="-128"/>
+                <a:ea typeface="HG丸ｺﾞｼｯｸM-PRO" pitchFamily="50" charset="-128"/>
+              </a:rPr>
+              <a:t>		2007</a:t>
+            </a:r>
+            <a:r>
+              <a:rPr lang="ja-JP" altLang="en-US" sz="2000" b="1" dirty="0">
+                <a:latin typeface="HG丸ｺﾞｼｯｸM-PRO" pitchFamily="50" charset="-128"/>
+                <a:ea typeface="HG丸ｺﾞｼｯｸM-PRO" pitchFamily="50" charset="-128"/>
+              </a:rPr>
+              <a:t>年</a:t>
+            </a:r>
+            <a:r>
+              <a:rPr lang="en-US" altLang="ja-JP" sz="2000" b="1" dirty="0">
+                <a:latin typeface="HG丸ｺﾞｼｯｸM-PRO" pitchFamily="50" charset="-128"/>
+                <a:ea typeface="HG丸ｺﾞｼｯｸM-PRO" pitchFamily="50" charset="-128"/>
+              </a:rPr>
+              <a:t>6</a:t>
+            </a:r>
+            <a:r>
+              <a:rPr lang="ja-JP" altLang="en-US" sz="2000" b="1" dirty="0">
+                <a:latin typeface="HG丸ｺﾞｼｯｸM-PRO" pitchFamily="50" charset="-128"/>
+                <a:ea typeface="HG丸ｺﾞｼｯｸM-PRO" pitchFamily="50" charset="-128"/>
+              </a:rPr>
+              <a:t>月</a:t>
+            </a:r>
+            <a:r>
+              <a:rPr lang="en-US" altLang="ja-JP" sz="2000" b="1" dirty="0">
+                <a:latin typeface="HG丸ｺﾞｼｯｸM-PRO" pitchFamily="50" charset="-128"/>
+                <a:ea typeface="HG丸ｺﾞｼｯｸM-PRO" pitchFamily="50" charset="-128"/>
+              </a:rPr>
+              <a:t>11</a:t>
+            </a:r>
+            <a:r>
+              <a:rPr lang="ja-JP" altLang="en-US" sz="2000" b="1" dirty="0">
+                <a:latin typeface="HG丸ｺﾞｼｯｸM-PRO" pitchFamily="50" charset="-128"/>
+                <a:ea typeface="HG丸ｺﾞｼｯｸM-PRO" pitchFamily="50" charset="-128"/>
+              </a:rPr>
+              <a:t>日</a:t>
+            </a:r>
+          </a:p>
+          <a:p>
+            <a:endParaRPr lang="ja-JP" altLang="en-US" sz="2000" b="1" dirty="0">
+              <a:latin typeface="HG丸ｺﾞｼｯｸM-PRO" pitchFamily="50" charset="-128"/>
+              <a:ea typeface="HG丸ｺﾞｼｯｸM-PRO" pitchFamily="50" charset="-128"/>
+            </a:endParaRPr>
+          </a:p>
+          <a:p>
+            <a:r>
+              <a:rPr lang="ja-JP" altLang="en-US" sz="2000" b="1" dirty="0">
+                <a:latin typeface="HG丸ｺﾞｼｯｸM-PRO" pitchFamily="50" charset="-128"/>
+                <a:ea typeface="HG丸ｺﾞｼｯｸM-PRO" pitchFamily="50" charset="-128"/>
+              </a:rPr>
+              <a:t>資本</a:t>
+            </a:r>
+            <a:r>
+              <a:rPr lang="ja-JP" altLang="en-US" sz="2000" b="1" dirty="0" smtClean="0">
+                <a:latin typeface="HG丸ｺﾞｼｯｸM-PRO" pitchFamily="50" charset="-128"/>
+                <a:ea typeface="HG丸ｺﾞｼｯｸM-PRO" pitchFamily="50" charset="-128"/>
+              </a:rPr>
+              <a:t>金等</a:t>
+            </a:r>
+            <a:r>
+              <a:rPr lang="en-US" altLang="ja-JP" sz="2000" b="1" dirty="0" smtClean="0">
+                <a:latin typeface="HG丸ｺﾞｼｯｸM-PRO" pitchFamily="50" charset="-128"/>
+                <a:ea typeface="HG丸ｺﾞｼｯｸM-PRO" pitchFamily="50" charset="-128"/>
+              </a:rPr>
+              <a:t>	</a:t>
+            </a:r>
+            <a:r>
+              <a:rPr lang="en-US" altLang="zh-TW" sz="2000" b="1" dirty="0" smtClean="0">
+                <a:latin typeface="HG丸ｺﾞｼｯｸM-PRO" pitchFamily="50" charset="-128"/>
+                <a:ea typeface="HG丸ｺﾞｼｯｸM-PRO" pitchFamily="50" charset="-128"/>
+              </a:rPr>
+              <a:t>1</a:t>
+            </a:r>
+            <a:r>
+              <a:rPr lang="zh-TW" altLang="en-US" sz="2000" b="1" dirty="0" smtClean="0">
+                <a:latin typeface="HG丸ｺﾞｼｯｸM-PRO" pitchFamily="50" charset="-128"/>
+                <a:ea typeface="HG丸ｺﾞｼｯｸM-PRO" pitchFamily="50" charset="-128"/>
+              </a:rPr>
+              <a:t>億</a:t>
+            </a:r>
+            <a:r>
+              <a:rPr lang="en-US" altLang="zh-TW" sz="2000" b="1" dirty="0" smtClean="0">
+                <a:latin typeface="HG丸ｺﾞｼｯｸM-PRO" pitchFamily="50" charset="-128"/>
+                <a:ea typeface="HG丸ｺﾞｼｯｸM-PRO" pitchFamily="50" charset="-128"/>
+              </a:rPr>
+              <a:t>6,460</a:t>
+            </a:r>
+            <a:r>
+              <a:rPr lang="zh-TW" altLang="en-US" sz="2000" b="1" dirty="0" smtClean="0">
+                <a:latin typeface="HG丸ｺﾞｼｯｸM-PRO" pitchFamily="50" charset="-128"/>
+                <a:ea typeface="HG丸ｺﾞｼｯｸM-PRO" pitchFamily="50" charset="-128"/>
+              </a:rPr>
+              <a:t>万円</a:t>
+            </a:r>
+            <a:r>
+              <a:rPr lang="en-US" altLang="zh-TW" sz="2000" b="1" dirty="0" smtClean="0">
+                <a:latin typeface="HG丸ｺﾞｼｯｸM-PRO" pitchFamily="50" charset="-128"/>
+                <a:ea typeface="HG丸ｺﾞｼｯｸM-PRO" pitchFamily="50" charset="-128"/>
+              </a:rPr>
+              <a:t>(</a:t>
+            </a:r>
+            <a:r>
+              <a:rPr lang="zh-TW" altLang="en-US" sz="2000" b="1" dirty="0" smtClean="0">
+                <a:latin typeface="HG丸ｺﾞｼｯｸM-PRO" pitchFamily="50" charset="-128"/>
+                <a:ea typeface="HG丸ｺﾞｼｯｸM-PRO" pitchFamily="50" charset="-128"/>
+              </a:rPr>
+              <a:t>内資本準備金</a:t>
+            </a:r>
+            <a:r>
+              <a:rPr lang="en-US" altLang="zh-TW" sz="2000" b="1" dirty="0" smtClean="0">
+                <a:latin typeface="HG丸ｺﾞｼｯｸM-PRO" pitchFamily="50" charset="-128"/>
+                <a:ea typeface="HG丸ｺﾞｼｯｸM-PRO" pitchFamily="50" charset="-128"/>
+              </a:rPr>
+              <a:t>8,230</a:t>
+            </a:r>
+            <a:r>
+              <a:rPr lang="zh-TW" altLang="en-US" sz="2000" b="1" dirty="0" smtClean="0">
+                <a:latin typeface="HG丸ｺﾞｼｯｸM-PRO" pitchFamily="50" charset="-128"/>
+                <a:ea typeface="HG丸ｺﾞｼｯｸM-PRO" pitchFamily="50" charset="-128"/>
+              </a:rPr>
+              <a:t>万円</a:t>
+            </a:r>
+            <a:r>
+              <a:rPr lang="en-US" altLang="zh-TW" sz="2000" b="1" dirty="0" smtClean="0">
+                <a:latin typeface="HG丸ｺﾞｼｯｸM-PRO" pitchFamily="50" charset="-128"/>
+                <a:ea typeface="HG丸ｺﾞｼｯｸM-PRO" pitchFamily="50" charset="-128"/>
+              </a:rPr>
+              <a:t>)</a:t>
+            </a:r>
+            <a:br>
+              <a:rPr lang="en-US" altLang="zh-TW" sz="2000" b="1" dirty="0" smtClean="0">
+                <a:latin typeface="HG丸ｺﾞｼｯｸM-PRO" pitchFamily="50" charset="-128"/>
+                <a:ea typeface="HG丸ｺﾞｼｯｸM-PRO" pitchFamily="50" charset="-128"/>
+              </a:rPr>
+            </a:br>
+            <a:endParaRPr lang="ja-JP" altLang="en-US" sz="2000" b="1" dirty="0">
+              <a:latin typeface="HG丸ｺﾞｼｯｸM-PRO" pitchFamily="50" charset="-128"/>
+              <a:ea typeface="HG丸ｺﾞｼｯｸM-PRO" pitchFamily="50" charset="-128"/>
+            </a:endParaRPr>
+          </a:p>
+          <a:p>
+            <a:r>
+              <a:rPr lang="ja-JP" altLang="en-US" sz="2000" b="1" dirty="0" smtClean="0">
+                <a:latin typeface="HG丸ｺﾞｼｯｸM-PRO" pitchFamily="50" charset="-128"/>
+                <a:ea typeface="HG丸ｺﾞｼｯｸM-PRO" pitchFamily="50" charset="-128"/>
+              </a:rPr>
+              <a:t>事業内容　</a:t>
+            </a:r>
+            <a:r>
+              <a:rPr lang="en-US" altLang="ja-JP" sz="2000" b="1" dirty="0" smtClean="0">
+                <a:latin typeface="HG丸ｺﾞｼｯｸM-PRO" pitchFamily="50" charset="-128"/>
+                <a:ea typeface="HG丸ｺﾞｼｯｸM-PRO" pitchFamily="50" charset="-128"/>
+              </a:rPr>
+              <a:t>	</a:t>
+            </a:r>
+            <a:r>
+              <a:rPr lang="ja-JP" altLang="en-US" sz="2000" b="1" dirty="0" smtClean="0">
+                <a:latin typeface="HG丸ｺﾞｼｯｸM-PRO" pitchFamily="50" charset="-128"/>
+                <a:ea typeface="HG丸ｺﾞｼｯｸM-PRO" pitchFamily="50" charset="-128"/>
+              </a:rPr>
+              <a:t>名刺</a:t>
+            </a:r>
+            <a:r>
+              <a:rPr lang="ja-JP" altLang="en-US" sz="2000" b="1" dirty="0">
+                <a:latin typeface="HG丸ｺﾞｼｯｸM-PRO" pitchFamily="50" charset="-128"/>
+                <a:ea typeface="HG丸ｺﾞｼｯｸM-PRO" pitchFamily="50" charset="-128"/>
+              </a:rPr>
+              <a:t>管理クラウドサービスの企画・開発・</a:t>
+            </a:r>
+            <a:r>
+              <a:rPr lang="ja-JP" altLang="en-US" sz="2000" b="1" dirty="0" smtClean="0">
+                <a:latin typeface="HG丸ｺﾞｼｯｸM-PRO" pitchFamily="50" charset="-128"/>
+                <a:ea typeface="HG丸ｺﾞｼｯｸM-PRO" pitchFamily="50" charset="-128"/>
+              </a:rPr>
+              <a:t>販売</a:t>
+            </a:r>
+            <a:endParaRPr lang="ja-JP" altLang="en-US" dirty="0"/>
+          </a:p>
+        </p:txBody>
+      </p:sp>
+      <p:sp>
+        <p:nvSpPr>
+          <p:cNvPr id="5" name="テキスト ボックス 4"/>
+          <p:cNvSpPr txBox="1"/>
+          <p:nvPr/>
+        </p:nvSpPr>
+        <p:spPr>
+          <a:xfrm>
+            <a:off x="-468560" y="116632"/>
+            <a:ext cx="9721080" cy="707886"/>
+          </a:xfrm>
+          <a:prstGeom prst="rect">
+            <a:avLst/>
+          </a:prstGeom>
+          <a:noFill/>
+          <a:ln w="57150" cmpd="thickThin">
+            <a:solidFill>
+              <a:schemeClr val="accent1">
+                <a:lumMod val="75000"/>
+              </a:schemeClr>
+            </a:solidFill>
+          </a:ln>
+        </p:spPr>
+        <p:txBody>
+          <a:bodyPr wrap="square" rtlCol="0">
+            <a:spAutoFit/>
+          </a:bodyPr>
+          <a:lstStyle/>
+          <a:p>
+            <a:pPr algn="ctr"/>
+            <a:r>
+              <a:rPr lang="en-US" altLang="ja-JP" sz="4000" b="1" dirty="0" err="1">
+                <a:solidFill>
+                  <a:schemeClr val="accent1">
+                    <a:lumMod val="75000"/>
+                  </a:schemeClr>
+                </a:solidFill>
+                <a:latin typeface="Century" pitchFamily="18" charset="0"/>
+              </a:rPr>
+              <a:t>Sansan.Inc</a:t>
+            </a:r>
+            <a:endParaRPr lang="en-US" altLang="ja-JP" sz="4000" dirty="0" smtClean="0">
+              <a:solidFill>
+                <a:schemeClr val="accent1">
+                  <a:lumMod val="75000"/>
+                </a:schemeClr>
+              </a:solidFill>
+              <a:uFill>
+                <a:solidFill>
+                  <a:srgbClr val="A388C4"/>
+                </a:solidFill>
+              </a:uFill>
+              <a:latin typeface="Century" pitchFamily="18" charset="0"/>
+            </a:endParaRPr>
+          </a:p>
+        </p:txBody>
+      </p:sp>
+      <p:sp>
+        <p:nvSpPr>
+          <p:cNvPr id="6" name="テキスト ボックス 5"/>
+          <p:cNvSpPr txBox="1"/>
+          <p:nvPr/>
+        </p:nvSpPr>
+        <p:spPr>
+          <a:xfrm>
+            <a:off x="3203848" y="1124744"/>
+            <a:ext cx="1944216" cy="369332"/>
+          </a:xfrm>
+          <a:prstGeom prst="rect">
+            <a:avLst/>
+          </a:prstGeom>
+          <a:noFill/>
+        </p:spPr>
+        <p:txBody>
+          <a:bodyPr wrap="square" rtlCol="0">
+            <a:spAutoFit/>
+          </a:bodyPr>
+          <a:lstStyle/>
+          <a:p>
+            <a:r>
+              <a:rPr kumimoji="1" lang="ja-JP" altLang="en-US" dirty="0" smtClean="0">
+                <a:latin typeface="HGS明朝E" pitchFamily="18" charset="-128"/>
+                <a:ea typeface="HGS明朝E" pitchFamily="18" charset="-128"/>
+              </a:rPr>
+              <a:t>会社概要</a:t>
+            </a:r>
+            <a:endParaRPr kumimoji="1" lang="ja-JP" altLang="en-US" dirty="0">
+              <a:latin typeface="HGS明朝E" pitchFamily="18" charset="-128"/>
+              <a:ea typeface="HGS明朝E" pitchFamily="18" charset="-128"/>
+            </a:endParaRPr>
+          </a:p>
+        </p:txBody>
+      </p:sp>
+    </p:spTree>
+  </p:cSld>
+  <p:clrMapOvr>
+    <a:masterClrMapping/>
+  </p:clrMapOvr>
+  <p:transition>
+    <p:fade/>
+  </p:transition>
+  <p:timing>
+    <p:tnLst>
+      <p:par>
+        <p:cTn id="1" dur="indefinite" restart="never" nodeType="tmRoot"/>
+      </p:par>
+    </p:tnLst>
+  </p:timing>
+</p:sld>
+</file>
+
+<file path=ppt/slides/slide4.xml><?xml version="1.0" encoding="utf-8"?>
+<p:sld xmlns:a="http://schemas.openxmlformats.org/drawingml/2006/main" xmlns:r="http://schemas.openxmlformats.org/officeDocument/2006/relationships" xmlns:p="http://schemas.openxmlformats.org/presentationml/2006/main">
+  <p:cSld>
+    <p:spTree>
+      <p:nvGrpSpPr>
+        <p:cNvPr id="1" name=""/>
+        <p:cNvGrpSpPr/>
+        <p:nvPr/>
+      </p:nvGrpSpPr>
+      <p:grpSpPr>
+        <a:xfrm>
+          <a:off x="0" y="0"/>
+          <a:ext cx="0" cy="0"/>
+          <a:chOff x="0" y="0"/>
+          <a:chExt cx="0" cy="0"/>
+        </a:xfrm>
+      </p:grpSpPr>
+      <p:sp>
+        <p:nvSpPr>
+          <p:cNvPr id="3" name="テキスト ボックス 2"/>
+          <p:cNvSpPr txBox="1"/>
+          <p:nvPr/>
+        </p:nvSpPr>
+        <p:spPr>
+          <a:xfrm>
+            <a:off x="467544" y="1440160"/>
+            <a:ext cx="9540552" cy="1446550"/>
+          </a:xfrm>
+          <a:prstGeom prst="rect">
+            <a:avLst/>
+          </a:prstGeom>
+          <a:noFill/>
+        </p:spPr>
+        <p:txBody>
+          <a:bodyPr wrap="square" rtlCol="0">
+            <a:spAutoFit/>
+          </a:bodyPr>
+          <a:lstStyle/>
+          <a:p>
+            <a:r>
+              <a:rPr lang="en-US" altLang="ja-JP" sz="4400" dirty="0" smtClean="0">
+                <a:latin typeface="HGS明朝E" pitchFamily="18" charset="-128"/>
+                <a:ea typeface="HGS明朝E" pitchFamily="18" charset="-128"/>
+              </a:rPr>
+              <a:t>｢</a:t>
+            </a:r>
+            <a:r>
+              <a:rPr lang="ja-JP" altLang="en-US" sz="4400" dirty="0">
+                <a:latin typeface="HGS明朝E" pitchFamily="18" charset="-128"/>
+                <a:ea typeface="HGS明朝E" pitchFamily="18" charset="-128"/>
+              </a:rPr>
+              <a:t>ビジネスの出会い</a:t>
+            </a:r>
+            <a:r>
+              <a:rPr lang="ja-JP" altLang="en-US" sz="4400" dirty="0" smtClean="0">
+                <a:latin typeface="HGS明朝E" pitchFamily="18" charset="-128"/>
+                <a:ea typeface="HGS明朝E" pitchFamily="18" charset="-128"/>
+              </a:rPr>
+              <a:t>を資産</a:t>
+            </a:r>
+            <a:r>
+              <a:rPr lang="ja-JP" altLang="en-US" sz="4400" dirty="0">
+                <a:latin typeface="HGS明朝E" pitchFamily="18" charset="-128"/>
+                <a:ea typeface="HGS明朝E" pitchFamily="18" charset="-128"/>
+              </a:rPr>
+              <a:t>に変え</a:t>
+            </a:r>
+            <a:r>
+              <a:rPr lang="ja-JP" altLang="en-US" sz="4400" dirty="0" smtClean="0">
+                <a:latin typeface="HGS明朝E" pitchFamily="18" charset="-128"/>
+                <a:ea typeface="HGS明朝E" pitchFamily="18" charset="-128"/>
+              </a:rPr>
+              <a:t>、</a:t>
+            </a:r>
+            <a:r>
+              <a:rPr lang="en-US" altLang="ja-JP" sz="4400" dirty="0" smtClean="0">
+                <a:latin typeface="HGS明朝E" pitchFamily="18" charset="-128"/>
+                <a:ea typeface="HGS明朝E" pitchFamily="18" charset="-128"/>
+              </a:rPr>
+              <a:t>			</a:t>
+            </a:r>
+            <a:r>
+              <a:rPr lang="ja-JP" altLang="en-US" sz="4400" dirty="0" smtClean="0">
+                <a:latin typeface="HGS明朝E" pitchFamily="18" charset="-128"/>
+                <a:ea typeface="HGS明朝E" pitchFamily="18" charset="-128"/>
+              </a:rPr>
+              <a:t>働き方を革新する」</a:t>
+            </a:r>
+            <a:endParaRPr kumimoji="1" lang="ja-JP" altLang="en-US" sz="4400" dirty="0">
+              <a:latin typeface="HGS明朝E" pitchFamily="18" charset="-128"/>
+              <a:ea typeface="HGS明朝E" pitchFamily="18" charset="-128"/>
+            </a:endParaRPr>
+          </a:p>
+        </p:txBody>
+      </p:sp>
+      <p:sp>
+        <p:nvSpPr>
+          <p:cNvPr id="8" name="テキスト ボックス 7"/>
+          <p:cNvSpPr txBox="1"/>
+          <p:nvPr/>
+        </p:nvSpPr>
+        <p:spPr>
+          <a:xfrm>
+            <a:off x="-468560" y="116632"/>
+            <a:ext cx="9721080" cy="707886"/>
+          </a:xfrm>
+          <a:prstGeom prst="rect">
+            <a:avLst/>
+          </a:prstGeom>
+          <a:noFill/>
+          <a:ln w="57150" cmpd="thickThin">
+            <a:solidFill>
+              <a:schemeClr val="accent1">
+                <a:lumMod val="75000"/>
+              </a:schemeClr>
+            </a:solidFill>
+          </a:ln>
+        </p:spPr>
+        <p:txBody>
+          <a:bodyPr wrap="square" rtlCol="0">
+            <a:spAutoFit/>
+          </a:bodyPr>
+          <a:lstStyle/>
+          <a:p>
+            <a:pPr algn="ctr"/>
+            <a:r>
+              <a:rPr lang="en-US" altLang="ja-JP" sz="4000" b="1" dirty="0" err="1">
+                <a:solidFill>
+                  <a:schemeClr val="accent1">
+                    <a:lumMod val="75000"/>
+                  </a:schemeClr>
+                </a:solidFill>
+                <a:latin typeface="Century" pitchFamily="18" charset="0"/>
+              </a:rPr>
+              <a:t>Sansan.Inc</a:t>
+            </a:r>
+            <a:endParaRPr lang="en-US" altLang="ja-JP" sz="4000" dirty="0" smtClean="0">
+              <a:solidFill>
+                <a:schemeClr val="accent1">
+                  <a:lumMod val="75000"/>
+                </a:schemeClr>
+              </a:solidFill>
+              <a:uFill>
+                <a:solidFill>
+                  <a:srgbClr val="A388C4"/>
+                </a:solidFill>
+              </a:uFill>
+              <a:latin typeface="Century" pitchFamily="18" charset="0"/>
+            </a:endParaRPr>
+          </a:p>
+        </p:txBody>
+      </p:sp>
+      <p:pic>
+        <p:nvPicPr>
+          <p:cNvPr id="9" name="図 8" descr="logo_lk.gif"/>
+          <p:cNvPicPr>
+            <a:picLocks noChangeAspect="1"/>
+          </p:cNvPicPr>
+          <p:nvPr/>
+        </p:nvPicPr>
+        <p:blipFill>
+          <a:blip r:embed="rId2" cstate="print"/>
+          <a:stretch>
+            <a:fillRect/>
+          </a:stretch>
+        </p:blipFill>
+        <p:spPr>
+          <a:xfrm>
+            <a:off x="611560" y="3052142"/>
+            <a:ext cx="3095625" cy="476250"/>
+          </a:xfrm>
+          <a:prstGeom prst="rect">
+            <a:avLst/>
+          </a:prstGeom>
+        </p:spPr>
+      </p:pic>
+      <p:pic>
+        <p:nvPicPr>
+          <p:cNvPr id="10" name="図 9" descr="header_logo_02-eee7a2d3f760029694142f657bff52a1.png"/>
+          <p:cNvPicPr>
+            <a:picLocks noChangeAspect="1"/>
+          </p:cNvPicPr>
+          <p:nvPr/>
+        </p:nvPicPr>
+        <p:blipFill>
+          <a:blip r:embed="rId3" cstate="print"/>
+          <a:stretch>
+            <a:fillRect/>
+          </a:stretch>
+        </p:blipFill>
+        <p:spPr>
+          <a:xfrm>
+            <a:off x="4618806" y="3185492"/>
+            <a:ext cx="4057650" cy="342900"/>
+          </a:xfrm>
+          <a:prstGeom prst="rect">
+            <a:avLst/>
+          </a:prstGeom>
+        </p:spPr>
+      </p:pic>
+      <p:pic>
+        <p:nvPicPr>
+          <p:cNvPr id="11" name="図 10" descr="top_ipimg_01-ad854decd2068e6efd39c10b2411859b.png"/>
+          <p:cNvPicPr>
+            <a:picLocks noChangeAspect="1"/>
+          </p:cNvPicPr>
+          <p:nvPr/>
+        </p:nvPicPr>
+        <p:blipFill>
+          <a:blip r:embed="rId4" cstate="print"/>
+          <a:stretch>
+            <a:fillRect/>
+          </a:stretch>
+        </p:blipFill>
+        <p:spPr>
+          <a:xfrm>
+            <a:off x="5940152" y="3869288"/>
+            <a:ext cx="1502469" cy="3376136"/>
+          </a:xfrm>
+          <a:prstGeom prst="rect">
+            <a:avLst/>
+          </a:prstGeom>
+        </p:spPr>
+      </p:pic>
+      <p:sp>
+        <p:nvSpPr>
+          <p:cNvPr id="12" name="テキスト ボックス 11"/>
+          <p:cNvSpPr txBox="1"/>
+          <p:nvPr/>
+        </p:nvSpPr>
+        <p:spPr>
+          <a:xfrm>
+            <a:off x="3347864" y="980728"/>
+            <a:ext cx="2592288" cy="461665"/>
+          </a:xfrm>
+          <a:prstGeom prst="rect">
+            <a:avLst/>
+          </a:prstGeom>
+          <a:noFill/>
+        </p:spPr>
+        <p:txBody>
+          <a:bodyPr wrap="square" rtlCol="0">
+            <a:spAutoFit/>
+          </a:bodyPr>
+          <a:lstStyle/>
+          <a:p>
+            <a:r>
+              <a:rPr kumimoji="1" lang="ja-JP" altLang="en-US" sz="2400" dirty="0" smtClean="0">
+                <a:latin typeface="HGS明朝E" pitchFamily="18" charset="-128"/>
+                <a:ea typeface="HGS明朝E" pitchFamily="18" charset="-128"/>
+              </a:rPr>
+              <a:t>サービス</a:t>
+            </a:r>
+            <a:endParaRPr kumimoji="1" lang="ja-JP" altLang="en-US" sz="2400" dirty="0">
+              <a:latin typeface="HGS明朝E" pitchFamily="18" charset="-128"/>
+              <a:ea typeface="HGS明朝E" pitchFamily="18" charset="-128"/>
+            </a:endParaRPr>
+          </a:p>
+        </p:txBody>
+      </p:sp>
+    </p:spTree>
+  </p:cSld>
+  <p:clrMapOvr>
+    <a:masterClrMapping/>
+  </p:clrMapOvr>
+  <p:transition>
+    <p:fade/>
+  </p:transition>
+  <p:timing>
+    <p:tnLst>
+      <p:par>
+        <p:cTn id="1" dur="indefinite" restart="never" nodeType="tmRoot">
+          <p:childTnLst>
+            <p:seq concurrent="1" nextAc="seek">
+              <p:cTn id="2" dur="indefinite" nodeType="mainSeq">
+                <p:childTnLst>
+                  <p:par>
+                    <p:cTn id="3" fill="hold">
+                      <p:stCondLst>
+                        <p:cond delay="indefinite"/>
+                      </p:stCondLst>
+                      <p:childTnLst>
+                        <p:par>
+                          <p:cTn id="4" fill="hold">
+                            <p:stCondLst>
+                              <p:cond delay="0"/>
+                            </p:stCondLst>
+                            <p:childTnLst>
+                              <p:par>
+                                <p:cTn id="5" presetID="42" presetClass="entr" presetSubtype="0" fill="hold" grpId="0" nodeType="clickEffect">
+                                  <p:stCondLst>
+                                    <p:cond delay="0"/>
+                                  </p:stCondLst>
+                                  <p:childTnLst>
+                                    <p:set>
+                                      <p:cBhvr>
+                                        <p:cTn id="6" dur="1" fill="hold">
+                                          <p:stCondLst>
+                                            <p:cond delay="0"/>
+                                          </p:stCondLst>
+                                        </p:cTn>
+                                        <p:tgtEl>
+                                          <p:spTgt spid="3"/>
+                                        </p:tgtEl>
+                                        <p:attrNameLst>
+                                          <p:attrName>style.visibility</p:attrName>
+                                        </p:attrNameLst>
+                                      </p:cBhvr>
+                                      <p:to>
+                                        <p:strVal val="visible"/>
+                                      </p:to>
+                                    </p:set>
+                                    <p:animEffect transition="in" filter="fade">
+                                      <p:cBhvr>
+                                        <p:cTn id="7" dur="2000"/>
+                                        <p:tgtEl>
+                                          <p:spTgt spid="3"/>
+                                        </p:tgtEl>
+                                      </p:cBhvr>
+                                    </p:animEffect>
+                                    <p:anim calcmode="lin" valueType="num">
+                                      <p:cBhvr>
+                                        <p:cTn id="8" dur="2000" fill="hold"/>
+                                        <p:tgtEl>
+                                          <p:spTgt spid="3"/>
+                                        </p:tgtEl>
+                                        <p:attrNameLst>
+                                          <p:attrName>ppt_x</p:attrName>
+                                        </p:attrNameLst>
+                                      </p:cBhvr>
+                                      <p:tavLst>
+                                        <p:tav tm="0">
+                                          <p:val>
+                                            <p:strVal val="#ppt_x"/>
+                                          </p:val>
+                                        </p:tav>
+                                        <p:tav tm="100000">
+                                          <p:val>
+                                            <p:strVal val="#ppt_x"/>
+                                          </p:val>
+                                        </p:tav>
+                                      </p:tavLst>
+                                    </p:anim>
+                                    <p:anim calcmode="lin" valueType="num">
+                                      <p:cBhvr>
+                                        <p:cTn id="9" dur="2000" fill="hold"/>
+                                        <p:tgtEl>
+                                          <p:spTgt spid="3"/>
+                                        </p:tgtEl>
+                                        <p:attrNameLst>
+                                          <p:attrName>ppt_y</p:attrName>
+                                        </p:attrNameLst>
+                                      </p:cBhvr>
+                                      <p:tavLst>
+                                        <p:tav tm="0">
+                                          <p:val>
+                                            <p:strVal val="#ppt_y+.1"/>
+                                          </p:val>
+                                        </p:tav>
+                                        <p:tav tm="100000">
+                                          <p:val>
+                                            <p:strVal val="#ppt_y"/>
+                                          </p:val>
+                                        </p:tav>
+                                      </p:tavLst>
+                                    </p:anim>
+                                  </p:childTnLst>
+                                </p:cTn>
+                              </p:par>
+                            </p:childTnLst>
+                          </p:cTn>
+                        </p:par>
+                      </p:childTnLst>
+                    </p:cTn>
+                  </p:par>
+                  <p:par>
+                    <p:cTn id="10" fill="hold">
+                      <p:stCondLst>
+                        <p:cond delay="indefinite"/>
+                      </p:stCondLst>
+                      <p:childTnLst>
+                        <p:par>
+                          <p:cTn id="11" fill="hold">
+                            <p:stCondLst>
+                              <p:cond delay="0"/>
+                            </p:stCondLst>
+                            <p:childTnLst>
+                              <p:par>
+                                <p:cTn id="12" presetID="10" presetClass="entr" presetSubtype="0" fill="hold" nodeType="clickEffect">
+                                  <p:stCondLst>
+                                    <p:cond delay="0"/>
+                                  </p:stCondLst>
+                                  <p:childTnLst>
+                                    <p:set>
+                                      <p:cBhvr>
+                                        <p:cTn id="13" dur="1" fill="hold">
+                                          <p:stCondLst>
+                                            <p:cond delay="0"/>
+                                          </p:stCondLst>
+                                        </p:cTn>
+                                        <p:tgtEl>
+                                          <p:spTgt spid="10"/>
+                                        </p:tgtEl>
+                                        <p:attrNameLst>
+                                          <p:attrName>style.visibility</p:attrName>
+                                        </p:attrNameLst>
+                                      </p:cBhvr>
+                                      <p:to>
+                                        <p:strVal val="visible"/>
+                                      </p:to>
+                                    </p:set>
+                                    <p:animEffect transition="in" filter="fade">
+                                      <p:cBhvr>
+                                        <p:cTn id="14" dur="2000"/>
+                                        <p:tgtEl>
+                                          <p:spTgt spid="10"/>
+                                        </p:tgtEl>
+                                      </p:cBhvr>
+                                    </p:animEffect>
+                                  </p:childTnLst>
+                                </p:cTn>
+                              </p:par>
+                              <p:par>
+                                <p:cTn id="15" presetID="10" presetClass="entr" presetSubtype="0" fill="hold" nodeType="withEffect">
+                                  <p:stCondLst>
+                                    <p:cond delay="0"/>
+                                  </p:stCondLst>
+                                  <p:childTnLst>
+                                    <p:set>
+                                      <p:cBhvr>
+                                        <p:cTn id="16" dur="1" fill="hold">
+                                          <p:stCondLst>
+                                            <p:cond delay="0"/>
+                                          </p:stCondLst>
+                                        </p:cTn>
+                                        <p:tgtEl>
+                                          <p:spTgt spid="9"/>
+                                        </p:tgtEl>
+                                        <p:attrNameLst>
+                                          <p:attrName>style.visibility</p:attrName>
+                                        </p:attrNameLst>
+                                      </p:cBhvr>
+                                      <p:to>
+                                        <p:strVal val="visible"/>
+                                      </p:to>
+                                    </p:set>
+                                    <p:animEffect transition="in" filter="fade">
+                                      <p:cBhvr>
+                                        <p:cTn id="17" dur="2000"/>
+                                        <p:tgtEl>
+                                          <p:spTgt spid="9"/>
+                                        </p:tgtEl>
+                                      </p:cBhvr>
+                                    </p:animEffect>
+                                  </p:childTnLst>
+                                </p:cTn>
+                              </p:par>
+                              <p:par>
+                                <p:cTn id="18" presetID="10" presetClass="entr" presetSubtype="0" fill="hold" nodeType="withEffect">
+                                  <p:stCondLst>
+                                    <p:cond delay="0"/>
+                                  </p:stCondLst>
+                                  <p:childTnLst>
+                                    <p:set>
+                                      <p:cBhvr>
+                                        <p:cTn id="19" dur="1" fill="hold">
+                                          <p:stCondLst>
+                                            <p:cond delay="0"/>
+                                          </p:stCondLst>
+                                        </p:cTn>
+                                        <p:tgtEl>
+                                          <p:spTgt spid="11"/>
+                                        </p:tgtEl>
+                                        <p:attrNameLst>
+                                          <p:attrName>style.visibility</p:attrName>
+                                        </p:attrNameLst>
+                                      </p:cBhvr>
+                                      <p:to>
+                                        <p:strVal val="visible"/>
+                                      </p:to>
+                                    </p:set>
+                                    <p:animEffect transition="in" filter="fade">
+                                      <p:cBhvr>
+                                        <p:cTn id="20" dur="2000"/>
+                                        <p:tgtEl>
+                                          <p:spTgt spid="11"/>
+                                        </p:tgtEl>
+                                      </p:cBhvr>
+                                    </p:animEffect>
+                                  </p:childTnLst>
+                                </p:cTn>
+                              </p:par>
+                            </p:childTnLst>
+                          </p:cTn>
+                        </p:par>
+                      </p:childTnLst>
+                    </p:cTn>
+                  </p:par>
+                </p:childTnLst>
+              </p:cTn>
+              <p:prevCondLst>
+                <p:cond evt="onPrev" delay="0">
+                  <p:tgtEl>
+                    <p:sldTgt/>
+                  </p:tgtEl>
+                </p:cond>
+              </p:prevCondLst>
+              <p:nextCondLst>
+                <p:cond evt="onNext" delay="0">
+                  <p:tgtEl>
+                    <p:sldTgt/>
+                  </p:tgtEl>
+                </p:cond>
+              </p:nextCondLst>
+            </p:seq>
+          </p:childTnLst>
+        </p:cTn>
+      </p:par>
+    </p:tnLst>
+    <p:bldLst>
+      <p:bldP spid="3" grpId="0"/>
+    </p:bldLst>
+  </p:timing>
+</p:sld>
+</file>
+
+<file path=ppt/slides/slide5.xml><?xml version="1.0" encoding="utf-8"?>
+<p:sld xmlns:a="http://schemas.openxmlformats.org/drawingml/2006/main" xmlns:r="http://schemas.openxmlformats.org/officeDocument/2006/relationships" xmlns:p="http://schemas.openxmlformats.org/presentationml/2006/main">
+  <p:cSld>
+    <p:spTree>
+      <p:nvGrpSpPr>
+        <p:cNvPr id="1" name=""/>
+        <p:cNvGrpSpPr/>
+        <p:nvPr/>
+      </p:nvGrpSpPr>
+      <p:grpSpPr>
+        <a:xfrm>
+          <a:off x="0" y="0"/>
+          <a:ext cx="0" cy="0"/>
+          <a:chOff x="0" y="0"/>
+          <a:chExt cx="0" cy="0"/>
+        </a:xfrm>
+      </p:grpSpPr>
+      <p:sp>
+        <p:nvSpPr>
+          <p:cNvPr id="3" name="正方形/長方形 2"/>
+          <p:cNvSpPr/>
+          <p:nvPr/>
+        </p:nvSpPr>
+        <p:spPr>
+          <a:xfrm>
+            <a:off x="395536" y="4509120"/>
+            <a:ext cx="4572000" cy="646331"/>
+          </a:xfrm>
+          <a:prstGeom prst="rect">
+            <a:avLst/>
+          </a:prstGeom>
+        </p:spPr>
+        <p:txBody>
+          <a:bodyPr>
+            <a:spAutoFit/>
+          </a:bodyPr>
+          <a:lstStyle/>
+          <a:p>
+            <a:endParaRPr lang="ja-JP" altLang="en-US" dirty="0" smtClean="0"/>
+          </a:p>
+          <a:p>
+            <a:r>
+              <a:rPr lang="ja-JP" altLang="en-US" dirty="0" smtClean="0"/>
+              <a:t>コンセプト</a:t>
+            </a:r>
+            <a:r>
+              <a:rPr lang="en-US" altLang="ja-JP" dirty="0" smtClean="0"/>
+              <a:t>｢</a:t>
+            </a:r>
+            <a:r>
+              <a:rPr lang="ja-JP" altLang="en-US" dirty="0" smtClean="0"/>
+              <a:t>営業を強くする名刺管理システム</a:t>
+            </a:r>
+            <a:r>
+              <a:rPr lang="en-US" altLang="ja-JP" dirty="0" smtClean="0"/>
+              <a:t>｣</a:t>
+            </a:r>
+            <a:endParaRPr lang="ja-JP" altLang="en-US" dirty="0"/>
+          </a:p>
+        </p:txBody>
+      </p:sp>
+      <p:sp>
+        <p:nvSpPr>
+          <p:cNvPr id="4" name="テキスト ボックス 3"/>
+          <p:cNvSpPr txBox="1"/>
+          <p:nvPr/>
+        </p:nvSpPr>
+        <p:spPr>
+          <a:xfrm>
+            <a:off x="-468560" y="116632"/>
+            <a:ext cx="9721080" cy="707886"/>
+          </a:xfrm>
+          <a:prstGeom prst="rect">
+            <a:avLst/>
+          </a:prstGeom>
+          <a:noFill/>
+          <a:ln w="57150" cmpd="thickThin">
+            <a:solidFill>
+              <a:schemeClr val="accent1">
+                <a:lumMod val="75000"/>
+              </a:schemeClr>
+            </a:solidFill>
+          </a:ln>
+        </p:spPr>
+        <p:txBody>
+          <a:bodyPr wrap="square" rtlCol="0">
+            <a:spAutoFit/>
+          </a:bodyPr>
+          <a:lstStyle/>
+          <a:p>
+            <a:pPr algn="ctr"/>
+            <a:r>
+              <a:rPr lang="en-US" altLang="ja-JP" sz="4000" b="1" dirty="0" err="1">
+                <a:solidFill>
+                  <a:schemeClr val="accent1">
+                    <a:lumMod val="75000"/>
+                  </a:schemeClr>
+                </a:solidFill>
+                <a:latin typeface="Century" pitchFamily="18" charset="0"/>
+              </a:rPr>
+              <a:t>Sansan.Inc</a:t>
+            </a:r>
+            <a:endParaRPr lang="en-US" altLang="ja-JP" sz="4000" dirty="0" smtClean="0">
+              <a:solidFill>
+                <a:schemeClr val="accent1">
+                  <a:lumMod val="75000"/>
+                </a:schemeClr>
+              </a:solidFill>
+              <a:uFill>
+                <a:solidFill>
+                  <a:srgbClr val="A388C4"/>
+                </a:solidFill>
+              </a:uFill>
+              <a:latin typeface="Century" pitchFamily="18" charset="0"/>
+            </a:endParaRPr>
+          </a:p>
+        </p:txBody>
+      </p:sp>
+      <p:pic>
+        <p:nvPicPr>
+          <p:cNvPr id="5" name="図 4" descr="logo_lk.gif"/>
+          <p:cNvPicPr>
+            <a:picLocks noChangeAspect="1"/>
+          </p:cNvPicPr>
+          <p:nvPr/>
+        </p:nvPicPr>
+        <p:blipFill>
+          <a:blip r:embed="rId2" cstate="print"/>
+          <a:stretch>
+            <a:fillRect/>
+          </a:stretch>
+        </p:blipFill>
+        <p:spPr>
+          <a:xfrm>
+            <a:off x="755576" y="1556792"/>
+            <a:ext cx="3095625" cy="476250"/>
+          </a:xfrm>
+          <a:prstGeom prst="rect">
+            <a:avLst/>
+          </a:prstGeom>
+        </p:spPr>
+      </p:pic>
+    </p:spTree>
+  </p:cSld>
+  <p:clrMapOvr>
+    <a:masterClrMapping/>
+  </p:clrMapOvr>
+  <p:transition>
+    <p:fade/>
+  </p:transition>
+  <p:timing>
+    <p:tnLst>
+      <p:par>
+        <p:cTn id="1" dur="indefinite" restart="never" nodeType="tmRoot"/>
+      </p:par>
+    </p:tnLst>
+  </p:timing>
+</p:sld>
+</file>
+
+<file path=ppt/slides/slide6.xml><?xml version="1.0" encoding="utf-8"?>
+<p:sld xmlns:a="http://schemas.openxmlformats.org/drawingml/2006/main" xmlns:r="http://schemas.openxmlformats.org/officeDocument/2006/relationships" xmlns:p="http://schemas.openxmlformats.org/presentationml/2006/main">
+  <p:cSld>
+    <p:spTree>
+      <p:nvGrpSpPr>
+        <p:cNvPr id="1" name=""/>
+        <p:cNvGrpSpPr/>
+        <p:nvPr/>
+      </p:nvGrpSpPr>
+      <p:grpSpPr>
+        <a:xfrm>
+          <a:off x="0" y="0"/>
+          <a:ext cx="0" cy="0"/>
+          <a:chOff x="0" y="0"/>
+          <a:chExt cx="0" cy="0"/>
+        </a:xfrm>
+      </p:grpSpPr>
+      <p:sp>
+        <p:nvSpPr>
+          <p:cNvPr id="3" name="正方形/長方形 2"/>
+          <p:cNvSpPr/>
+          <p:nvPr/>
+        </p:nvSpPr>
+        <p:spPr>
+          <a:xfrm>
+            <a:off x="683568" y="3068960"/>
+            <a:ext cx="4572000" cy="646331"/>
+          </a:xfrm>
+          <a:prstGeom prst="rect">
+            <a:avLst/>
+          </a:prstGeom>
+        </p:spPr>
+        <p:txBody>
+          <a:bodyPr>
+            <a:spAutoFit/>
+          </a:bodyPr>
+          <a:lstStyle/>
+          <a:p>
+            <a:endParaRPr lang="ja-JP" altLang="en-US" dirty="0" smtClean="0"/>
+          </a:p>
+          <a:p>
+            <a:r>
+              <a:rPr lang="ja-JP" altLang="en-US" dirty="0" smtClean="0"/>
+              <a:t>コンセプト</a:t>
+            </a:r>
+            <a:r>
+              <a:rPr lang="en-US" altLang="ja-JP" dirty="0" smtClean="0"/>
+              <a:t>｢</a:t>
+            </a:r>
+            <a:r>
+              <a:rPr lang="ja-JP" altLang="en-US" dirty="0" smtClean="0"/>
+              <a:t>つなげて育つ名刺帳</a:t>
+            </a:r>
+            <a:r>
+              <a:rPr lang="en-US" altLang="ja-JP" dirty="0" smtClean="0"/>
+              <a:t>｣</a:t>
+            </a:r>
+            <a:endParaRPr lang="ja-JP" altLang="en-US" dirty="0"/>
+          </a:p>
+        </p:txBody>
+      </p:sp>
+      <p:sp>
+        <p:nvSpPr>
+          <p:cNvPr id="4" name="正方形/長方形 3"/>
+          <p:cNvSpPr/>
+          <p:nvPr/>
+        </p:nvSpPr>
+        <p:spPr>
+          <a:xfrm>
+            <a:off x="539552" y="4293096"/>
+            <a:ext cx="4572000" cy="1200329"/>
+          </a:xfrm>
+          <a:prstGeom prst="rect">
+            <a:avLst/>
+          </a:prstGeom>
+        </p:spPr>
+        <p:txBody>
+          <a:bodyPr>
+            <a:spAutoFit/>
+          </a:bodyPr>
+          <a:lstStyle/>
+          <a:p>
+            <a:endParaRPr lang="ja-JP" altLang="en-US" dirty="0" smtClean="0"/>
+          </a:p>
+          <a:p>
+            <a:r>
+              <a:rPr lang="en-US" altLang="ja-JP" dirty="0" smtClean="0"/>
+              <a:t>2012</a:t>
+            </a:r>
+            <a:r>
+              <a:rPr lang="ja-JP" altLang="en-US" dirty="0" smtClean="0"/>
+              <a:t>年リリース以降、ユーザー数</a:t>
+            </a:r>
+            <a:r>
+              <a:rPr lang="en-US" altLang="ja-JP" dirty="0" smtClean="0"/>
+              <a:t>10</a:t>
+            </a:r>
+            <a:r>
+              <a:rPr lang="ja-JP" altLang="en-US" dirty="0" smtClean="0"/>
+              <a:t>万人突破</a:t>
+            </a:r>
+          </a:p>
+          <a:p>
+            <a:r>
+              <a:rPr lang="en-US" altLang="ja-JP" dirty="0" smtClean="0"/>
+              <a:t>2012</a:t>
+            </a:r>
+            <a:r>
+              <a:rPr lang="ja-JP" altLang="en-US" dirty="0" smtClean="0"/>
+              <a:t>年ベストアプリランキング、ビジネスアプリ部門第</a:t>
+            </a:r>
+            <a:r>
+              <a:rPr lang="en-US" altLang="ja-JP" dirty="0" smtClean="0"/>
+              <a:t>1</a:t>
+            </a:r>
+            <a:r>
+              <a:rPr lang="ja-JP" altLang="en-US" dirty="0" smtClean="0"/>
+              <a:t>位</a:t>
+            </a:r>
+            <a:endParaRPr lang="ja-JP" altLang="en-US" dirty="0"/>
+          </a:p>
+        </p:txBody>
+      </p:sp>
+      <p:sp>
+        <p:nvSpPr>
+          <p:cNvPr id="5" name="テキスト ボックス 4"/>
+          <p:cNvSpPr txBox="1"/>
+          <p:nvPr/>
+        </p:nvSpPr>
+        <p:spPr>
+          <a:xfrm>
+            <a:off x="-468560" y="116632"/>
+            <a:ext cx="9721080" cy="707886"/>
+          </a:xfrm>
+          <a:prstGeom prst="rect">
+            <a:avLst/>
+          </a:prstGeom>
+          <a:noFill/>
+          <a:ln w="57150" cmpd="thickThin">
+            <a:solidFill>
+              <a:schemeClr val="accent1">
+                <a:lumMod val="75000"/>
+              </a:schemeClr>
+            </a:solidFill>
+          </a:ln>
+        </p:spPr>
+        <p:txBody>
+          <a:bodyPr wrap="square" rtlCol="0">
+            <a:spAutoFit/>
+          </a:bodyPr>
+          <a:lstStyle/>
+          <a:p>
+            <a:pPr algn="ctr"/>
+            <a:r>
+              <a:rPr lang="en-US" altLang="ja-JP" sz="4000" b="1" dirty="0" err="1">
+                <a:solidFill>
+                  <a:schemeClr val="accent1">
+                    <a:lumMod val="75000"/>
+                  </a:schemeClr>
+                </a:solidFill>
+                <a:latin typeface="Century" pitchFamily="18" charset="0"/>
+              </a:rPr>
+              <a:t>Sansan.Inc</a:t>
+            </a:r>
+            <a:endParaRPr lang="en-US" altLang="ja-JP" sz="4000" dirty="0" smtClean="0">
+              <a:solidFill>
+                <a:schemeClr val="accent1">
+                  <a:lumMod val="75000"/>
+                </a:schemeClr>
+              </a:solidFill>
+              <a:uFill>
+                <a:solidFill>
+                  <a:srgbClr val="A388C4"/>
+                </a:solidFill>
+              </a:uFill>
+              <a:latin typeface="Century" pitchFamily="18" charset="0"/>
+            </a:endParaRPr>
+          </a:p>
+        </p:txBody>
+      </p:sp>
+      <p:pic>
+        <p:nvPicPr>
+          <p:cNvPr id="6" name="図 5" descr="header_logo_02-eee7a2d3f760029694142f657bff52a1.png"/>
+          <p:cNvPicPr>
+            <a:picLocks noChangeAspect="1"/>
+          </p:cNvPicPr>
+          <p:nvPr/>
+        </p:nvPicPr>
+        <p:blipFill>
+          <a:blip r:embed="rId2" cstate="print"/>
+          <a:stretch>
+            <a:fillRect/>
+          </a:stretch>
+        </p:blipFill>
+        <p:spPr>
+          <a:xfrm>
+            <a:off x="395536" y="1556792"/>
+            <a:ext cx="4057650" cy="342900"/>
+          </a:xfrm>
+          <a:prstGeom prst="rect">
+            <a:avLst/>
+          </a:prstGeom>
+        </p:spPr>
+      </p:pic>
+    </p:spTree>
+  </p:cSld>
+  <p:clrMapOvr>
+    <a:masterClrMapping/>
+  </p:clrMapOvr>
+  <p:transition>
+    <p:fade/>
+  </p:transition>
+  <p:timing>
+    <p:tnLst>
+      <p:par>
+        <p:cTn id="1" dur="indefinite" restart="never" nodeType="tmRoot"/>
+      </p:par>
+    </p:tnLst>
+  </p:timing>
+</p:sld>
+</file>
+
+<file path=ppt/slides/slide7.xml><?xml version="1.0" encoding="utf-8"?>
+<p:sld xmlns:a="http://schemas.openxmlformats.org/drawingml/2006/main" xmlns:r="http://schemas.openxmlformats.org/officeDocument/2006/relationships" xmlns:p="http://schemas.openxmlformats.org/presentationml/2006/main">
+  <p:cSld>
+    <p:spTree>
+      <p:nvGrpSpPr>
+        <p:cNvPr id="1" name=""/>
+        <p:cNvGrpSpPr/>
+        <p:nvPr/>
+      </p:nvGrpSpPr>
+      <p:grpSpPr>
+        <a:xfrm>
+          <a:off x="0" y="0"/>
+          <a:ext cx="0" cy="0"/>
+          <a:chOff x="0" y="0"/>
+          <a:chExt cx="0" cy="0"/>
+        </a:xfrm>
+      </p:grpSpPr>
+      <p:sp>
+        <p:nvSpPr>
+          <p:cNvPr id="2" name="正方形/長方形 1"/>
+          <p:cNvSpPr/>
+          <p:nvPr/>
+        </p:nvSpPr>
+        <p:spPr>
+          <a:xfrm>
+            <a:off x="1619672" y="2132856"/>
+            <a:ext cx="6120680" cy="369332"/>
+          </a:xfrm>
+          <a:prstGeom prst="rect">
+            <a:avLst/>
+          </a:prstGeom>
+        </p:spPr>
+        <p:txBody>
+          <a:bodyPr wrap="square">
+            <a:spAutoFit/>
+          </a:bodyPr>
+          <a:lstStyle/>
+          <a:p>
+            <a:r>
+              <a:rPr lang="en-US" altLang="ja-JP" dirty="0" smtClean="0"/>
+              <a:t>｢</a:t>
+            </a:r>
+            <a:r>
+              <a:rPr lang="ja-JP" altLang="en-US" dirty="0" smtClean="0"/>
+              <a:t>ビジネスの出会いを資産に変え、働き方を革新する</a:t>
+            </a:r>
+            <a:r>
+              <a:rPr lang="en-US" altLang="ja-JP" dirty="0" smtClean="0"/>
+              <a:t>｣</a:t>
+            </a:r>
+            <a:endParaRPr lang="ja-JP" altLang="en-US" dirty="0"/>
+          </a:p>
+        </p:txBody>
+      </p:sp>
+      <p:cxnSp>
+        <p:nvCxnSpPr>
+          <p:cNvPr id="4" name="直線矢印コネクタ 3"/>
+          <p:cNvCxnSpPr/>
+          <p:nvPr/>
+        </p:nvCxnSpPr>
+        <p:spPr>
+          <a:xfrm>
+            <a:off x="4139952" y="4077072"/>
+            <a:ext cx="0" cy="1512168"/>
+          </a:xfrm>
+          <a:prstGeom prst="straightConnector1">
+            <a:avLst/>
+          </a:prstGeom>
+          <a:ln>
+            <a:tailEnd type="arrow"/>
+          </a:ln>
+        </p:spPr>
+        <p:style>
+          <a:lnRef idx="1">
+            <a:schemeClr val="accent1"/>
+          </a:lnRef>
+          <a:fillRef idx="0">
+            <a:schemeClr val="accent1"/>
+          </a:fillRef>
+          <a:effectRef idx="0">
+            <a:schemeClr val="accent1"/>
+          </a:effectRef>
+          <a:fontRef idx="minor">
+            <a:schemeClr val="tx1"/>
+          </a:fontRef>
+        </p:style>
+      </p:cxnSp>
+      <p:sp>
+        <p:nvSpPr>
+          <p:cNvPr id="6" name="テキスト ボックス 5"/>
+          <p:cNvSpPr txBox="1"/>
+          <p:nvPr/>
+        </p:nvSpPr>
+        <p:spPr>
+          <a:xfrm>
+            <a:off x="4283968" y="4797152"/>
+            <a:ext cx="3240360" cy="369332"/>
+          </a:xfrm>
+          <a:prstGeom prst="rect">
+            <a:avLst/>
+          </a:prstGeom>
+          <a:noFill/>
+        </p:spPr>
+        <p:txBody>
+          <a:bodyPr wrap="square" rtlCol="0">
+            <a:spAutoFit/>
+          </a:bodyPr>
+          <a:lstStyle/>
+          <a:p>
+            <a:r>
+              <a:rPr kumimoji="1" lang="en-US" altLang="ja-JP" dirty="0" smtClean="0"/>
+              <a:t>Goal</a:t>
+            </a:r>
+            <a:endParaRPr kumimoji="1" lang="ja-JP" altLang="en-US" dirty="0"/>
+          </a:p>
+        </p:txBody>
+      </p:sp>
+      <p:sp>
+        <p:nvSpPr>
+          <p:cNvPr id="7" name="テキスト ボックス 6"/>
+          <p:cNvSpPr txBox="1"/>
+          <p:nvPr/>
+        </p:nvSpPr>
+        <p:spPr>
+          <a:xfrm>
+            <a:off x="1691680" y="6021288"/>
+            <a:ext cx="6192688" cy="369332"/>
+          </a:xfrm>
+          <a:prstGeom prst="rect">
+            <a:avLst/>
+          </a:prstGeom>
+          <a:noFill/>
+        </p:spPr>
+        <p:txBody>
+          <a:bodyPr wrap="square" rtlCol="0">
+            <a:spAutoFit/>
+          </a:bodyPr>
+          <a:lstStyle/>
+          <a:p>
+            <a:r>
+              <a:rPr lang="en-US" altLang="ja-JP" dirty="0" smtClean="0"/>
+              <a:t>｢</a:t>
+            </a:r>
+            <a:r>
+              <a:rPr lang="ja-JP" altLang="en-US" dirty="0"/>
+              <a:t>世界を変える新たな価値を生み出す</a:t>
+            </a:r>
+            <a:r>
+              <a:rPr lang="en-US" altLang="ja-JP" dirty="0"/>
+              <a:t>｣</a:t>
+            </a:r>
+            <a:endParaRPr kumimoji="1" lang="ja-JP" altLang="en-US" dirty="0"/>
+          </a:p>
+        </p:txBody>
+      </p:sp>
+      <p:sp>
+        <p:nvSpPr>
+          <p:cNvPr id="8" name="テキスト ボックス 7"/>
+          <p:cNvSpPr txBox="1"/>
+          <p:nvPr/>
+        </p:nvSpPr>
+        <p:spPr>
+          <a:xfrm>
+            <a:off x="-468560" y="116632"/>
+            <a:ext cx="9721080" cy="707886"/>
+          </a:xfrm>
+          <a:prstGeom prst="rect">
+            <a:avLst/>
+          </a:prstGeom>
+          <a:noFill/>
+          <a:ln w="57150" cmpd="thickThin">
+            <a:solidFill>
+              <a:schemeClr val="accent1">
+                <a:lumMod val="75000"/>
+              </a:schemeClr>
+            </a:solidFill>
+          </a:ln>
+        </p:spPr>
+        <p:txBody>
+          <a:bodyPr wrap="square" rtlCol="0">
+            <a:spAutoFit/>
+          </a:bodyPr>
+          <a:lstStyle/>
+          <a:p>
+            <a:pPr algn="ctr"/>
+            <a:r>
+              <a:rPr lang="en-US" altLang="ja-JP" sz="4000" b="1" dirty="0" err="1" smtClean="0">
+                <a:solidFill>
+                  <a:schemeClr val="accent1">
+                    <a:lumMod val="75000"/>
+                  </a:schemeClr>
+                </a:solidFill>
+                <a:latin typeface="Century" pitchFamily="18" charset="0"/>
+              </a:rPr>
+              <a:t>Sansan.Inc</a:t>
+            </a:r>
+            <a:endParaRPr lang="en-US" altLang="ja-JP" sz="4000" dirty="0" smtClean="0">
+              <a:solidFill>
+                <a:schemeClr val="accent1">
+                  <a:lumMod val="75000"/>
+                </a:schemeClr>
+              </a:solidFill>
+              <a:uFill>
+                <a:solidFill>
+                  <a:srgbClr val="A388C4"/>
+                </a:solidFill>
+              </a:uFill>
+              <a:latin typeface="Century" pitchFamily="18" charset="0"/>
+            </a:endParaRPr>
+          </a:p>
+        </p:txBody>
+      </p:sp>
+    </p:spTree>
+  </p:cSld>
+  <p:clrMapOvr>
+    <a:masterClrMapping/>
+  </p:clrMapOvr>
+  <p:transition>
+    <p:fade/>
+  </p:transition>
+  <p:timing>
+    <p:tnLst>
+      <p:par>
+        <p:cTn id="1" dur="indefinite" restart="never" nodeType="tmRoot"/>
+      </p:par>
+    </p:tnLst>
+  </p:timing>
 </p:sld>
 </file>
 

--- a/高専ベンチャー三三++.pptx
+++ b/高専ベンチャー三三++.pptx
@@ -294,6 +294,7 @@
           <a:p>
             <a:fld id="{C2E6BA9C-D01F-4665-A7DD-1D8B8337740E}" type="datetimeFigureOut">
               <a:rPr kumimoji="1" lang="ja-JP" altLang="en-US" smtClean="0"/>
+              <a:pPr/>
               <a:t>2013/3/10</a:t>
             </a:fld>
             <a:endParaRPr kumimoji="1" lang="ja-JP" altLang="en-US"/>
@@ -344,6 +345,7 @@
           <a:p>
             <a:fld id="{E4A9B57C-4469-4EC6-9FAE-85D621668D21}" type="slidenum">
               <a:rPr kumimoji="1" lang="ja-JP" altLang="en-US" smtClean="0"/>
+              <a:pPr/>
               <a:t>&lt;#&gt;</a:t>
             </a:fld>
             <a:endParaRPr kumimoji="1" lang="ja-JP" altLang="en-US"/>
@@ -502,6 +504,7 @@
           <a:p>
             <a:fld id="{C2E6BA9C-D01F-4665-A7DD-1D8B8337740E}" type="datetimeFigureOut">
               <a:rPr kumimoji="1" lang="ja-JP" altLang="en-US" smtClean="0"/>
+              <a:pPr/>
               <a:t>2013/3/10</a:t>
             </a:fld>
             <a:endParaRPr kumimoji="1" lang="ja-JP" altLang="en-US"/>
@@ -552,6 +555,7 @@
           <a:p>
             <a:fld id="{E4A9B57C-4469-4EC6-9FAE-85D621668D21}" type="slidenum">
               <a:rPr kumimoji="1" lang="ja-JP" altLang="en-US" smtClean="0"/>
+              <a:pPr/>
               <a:t>&lt;#&gt;</a:t>
             </a:fld>
             <a:endParaRPr kumimoji="1" lang="ja-JP" altLang="en-US"/>
@@ -720,6 +724,7 @@
           <a:p>
             <a:fld id="{C2E6BA9C-D01F-4665-A7DD-1D8B8337740E}" type="datetimeFigureOut">
               <a:rPr kumimoji="1" lang="ja-JP" altLang="en-US" smtClean="0"/>
+              <a:pPr/>
               <a:t>2013/3/10</a:t>
             </a:fld>
             <a:endParaRPr kumimoji="1" lang="ja-JP" altLang="en-US"/>
@@ -770,6 +775,7 @@
           <a:p>
             <a:fld id="{E4A9B57C-4469-4EC6-9FAE-85D621668D21}" type="slidenum">
               <a:rPr kumimoji="1" lang="ja-JP" altLang="en-US" smtClean="0"/>
+              <a:pPr/>
               <a:t>&lt;#&gt;</a:t>
             </a:fld>
             <a:endParaRPr kumimoji="1" lang="ja-JP" altLang="en-US"/>
@@ -928,6 +934,7 @@
           <a:p>
             <a:fld id="{C2E6BA9C-D01F-4665-A7DD-1D8B8337740E}" type="datetimeFigureOut">
               <a:rPr kumimoji="1" lang="ja-JP" altLang="en-US" smtClean="0"/>
+              <a:pPr/>
               <a:t>2013/3/10</a:t>
             </a:fld>
             <a:endParaRPr kumimoji="1" lang="ja-JP" altLang="en-US"/>
@@ -978,6 +985,7 @@
           <a:p>
             <a:fld id="{E4A9B57C-4469-4EC6-9FAE-85D621668D21}" type="slidenum">
               <a:rPr kumimoji="1" lang="ja-JP" altLang="en-US" smtClean="0"/>
+              <a:pPr/>
               <a:t>&lt;#&gt;</a:t>
             </a:fld>
             <a:endParaRPr kumimoji="1" lang="ja-JP" altLang="en-US" dirty="0"/>
@@ -1180,6 +1188,7 @@
           <a:p>
             <a:fld id="{C2E6BA9C-D01F-4665-A7DD-1D8B8337740E}" type="datetimeFigureOut">
               <a:rPr kumimoji="1" lang="ja-JP" altLang="en-US" smtClean="0"/>
+              <a:pPr/>
               <a:t>2013/3/10</a:t>
             </a:fld>
             <a:endParaRPr kumimoji="1" lang="ja-JP" altLang="en-US"/>
@@ -1230,6 +1239,7 @@
           <a:p>
             <a:fld id="{E4A9B57C-4469-4EC6-9FAE-85D621668D21}" type="slidenum">
               <a:rPr kumimoji="1" lang="ja-JP" altLang="en-US" smtClean="0"/>
+              <a:pPr/>
               <a:t>&lt;#&gt;</a:t>
             </a:fld>
             <a:endParaRPr kumimoji="1" lang="ja-JP" altLang="en-US"/>
@@ -1538,6 +1548,7 @@
           <a:p>
             <a:fld id="{C2E6BA9C-D01F-4665-A7DD-1D8B8337740E}" type="datetimeFigureOut">
               <a:rPr kumimoji="1" lang="ja-JP" altLang="en-US" smtClean="0"/>
+              <a:pPr/>
               <a:t>2013/3/10</a:t>
             </a:fld>
             <a:endParaRPr kumimoji="1" lang="ja-JP" altLang="en-US"/>
@@ -1588,6 +1599,7 @@
           <a:p>
             <a:fld id="{E4A9B57C-4469-4EC6-9FAE-85D621668D21}" type="slidenum">
               <a:rPr kumimoji="1" lang="ja-JP" altLang="en-US" smtClean="0"/>
+              <a:pPr/>
               <a:t>&lt;#&gt;</a:t>
             </a:fld>
             <a:endParaRPr kumimoji="1" lang="ja-JP" altLang="en-US"/>
@@ -2030,6 +2042,7 @@
           <a:p>
             <a:fld id="{C2E6BA9C-D01F-4665-A7DD-1D8B8337740E}" type="datetimeFigureOut">
               <a:rPr kumimoji="1" lang="ja-JP" altLang="en-US" smtClean="0"/>
+              <a:pPr/>
               <a:t>2013/3/10</a:t>
             </a:fld>
             <a:endParaRPr kumimoji="1" lang="ja-JP" altLang="en-US"/>
@@ -2080,6 +2093,7 @@
           <a:p>
             <a:fld id="{E4A9B57C-4469-4EC6-9FAE-85D621668D21}" type="slidenum">
               <a:rPr kumimoji="1" lang="ja-JP" altLang="en-US" smtClean="0"/>
+              <a:pPr/>
               <a:t>&lt;#&gt;</a:t>
             </a:fld>
             <a:endParaRPr kumimoji="1" lang="ja-JP" altLang="en-US"/>
@@ -2154,6 +2168,7 @@
           <a:p>
             <a:fld id="{C2E6BA9C-D01F-4665-A7DD-1D8B8337740E}" type="datetimeFigureOut">
               <a:rPr kumimoji="1" lang="ja-JP" altLang="en-US" smtClean="0"/>
+              <a:pPr/>
               <a:t>2013/3/10</a:t>
             </a:fld>
             <a:endParaRPr kumimoji="1" lang="ja-JP" altLang="en-US"/>
@@ -2204,6 +2219,7 @@
           <a:p>
             <a:fld id="{E4A9B57C-4469-4EC6-9FAE-85D621668D21}" type="slidenum">
               <a:rPr kumimoji="1" lang="ja-JP" altLang="en-US" smtClean="0"/>
+              <a:pPr/>
               <a:t>&lt;#&gt;</a:t>
             </a:fld>
             <a:endParaRPr kumimoji="1" lang="ja-JP" altLang="en-US"/>
@@ -2255,6 +2271,7 @@
           <a:p>
             <a:fld id="{C2E6BA9C-D01F-4665-A7DD-1D8B8337740E}" type="datetimeFigureOut">
               <a:rPr kumimoji="1" lang="ja-JP" altLang="en-US" smtClean="0"/>
+              <a:pPr/>
               <a:t>2013/3/10</a:t>
             </a:fld>
             <a:endParaRPr kumimoji="1" lang="ja-JP" altLang="en-US"/>
@@ -2305,6 +2322,7 @@
           <a:p>
             <a:fld id="{E4A9B57C-4469-4EC6-9FAE-85D621668D21}" type="slidenum">
               <a:rPr kumimoji="1" lang="ja-JP" altLang="en-US" smtClean="0"/>
+              <a:pPr/>
               <a:t>&lt;#&gt;</a:t>
             </a:fld>
             <a:endParaRPr kumimoji="1" lang="ja-JP" altLang="en-US"/>
@@ -2384,28 +2402,6 @@
               </a:rPr>
               <a:t>++</a:t>
             </a:r>
-            <a:endParaRPr kumimoji="1" lang="en-US" altLang="ja-JP" sz="2800" b="0" u="none" spc="300" dirty="0" smtClean="0">
-              <a:ln w="19050">
-                <a:solidFill>
-                  <a:schemeClr val="tx2">
-                    <a:lumMod val="75000"/>
-                  </a:schemeClr>
-                </a:solidFill>
-                <a:prstDash val="solid"/>
-                <a:miter lim="800000"/>
-              </a:ln>
-              <a:solidFill>
-                <a:schemeClr val="tx2">
-                  <a:lumMod val="75000"/>
-                </a:schemeClr>
-              </a:solidFill>
-              <a:effectLst>
-                <a:reflection blurRad="6350" stA="55000" endA="300" endPos="45500" dir="5400000" sy="-100000" algn="bl" rotWithShape="0"/>
-              </a:effectLst>
-              <a:latin typeface="HGP行書体" pitchFamily="66" charset="-128"/>
-              <a:ea typeface="HGP行書体" pitchFamily="66" charset="-128"/>
-              <a:cs typeface="Aharoni" pitchFamily="2" charset="-79"/>
-            </a:endParaRPr>
           </a:p>
         </p:txBody>
       </p:sp>
@@ -2668,6 +2664,7 @@
           <a:p>
             <a:fld id="{C2E6BA9C-D01F-4665-A7DD-1D8B8337740E}" type="datetimeFigureOut">
               <a:rPr kumimoji="1" lang="ja-JP" altLang="en-US" smtClean="0"/>
+              <a:pPr/>
               <a:t>2013/3/10</a:t>
             </a:fld>
             <a:endParaRPr kumimoji="1" lang="ja-JP" altLang="en-US"/>
@@ -2718,6 +2715,7 @@
           <a:p>
             <a:fld id="{E4A9B57C-4469-4EC6-9FAE-85D621668D21}" type="slidenum">
               <a:rPr kumimoji="1" lang="ja-JP" altLang="en-US" smtClean="0"/>
+              <a:pPr/>
               <a:t>&lt;#&gt;</a:t>
             </a:fld>
             <a:endParaRPr kumimoji="1" lang="ja-JP" altLang="en-US"/>
@@ -2927,6 +2925,7 @@
           <a:p>
             <a:fld id="{C2E6BA9C-D01F-4665-A7DD-1D8B8337740E}" type="datetimeFigureOut">
               <a:rPr kumimoji="1" lang="ja-JP" altLang="en-US" smtClean="0"/>
+              <a:pPr/>
               <a:t>2013/3/10</a:t>
             </a:fld>
             <a:endParaRPr kumimoji="1" lang="ja-JP" altLang="en-US"/>
@@ -2977,6 +2976,7 @@
           <a:p>
             <a:fld id="{E4A9B57C-4469-4EC6-9FAE-85D621668D21}" type="slidenum">
               <a:rPr kumimoji="1" lang="ja-JP" altLang="en-US" smtClean="0"/>
+              <a:pPr/>
               <a:t>&lt;#&gt;</a:t>
             </a:fld>
             <a:endParaRPr kumimoji="1" lang="ja-JP" altLang="en-US"/>
@@ -3188,6 +3188,7 @@
           <a:p>
             <a:fld id="{C2E6BA9C-D01F-4665-A7DD-1D8B8337740E}" type="datetimeFigureOut">
               <a:rPr kumimoji="1" lang="ja-JP" altLang="en-US" smtClean="0"/>
+              <a:pPr/>
               <a:t>2013/3/10</a:t>
             </a:fld>
             <a:endParaRPr kumimoji="1" lang="ja-JP" altLang="en-US"/>
@@ -3828,7 +3829,23 @@
           <a:p>
             <a:r>
               <a:rPr kumimoji="1" lang="ja-JP" altLang="en-US" dirty="0" smtClean="0"/>
-              <a:t>２．開発したものの紹介</a:t>
+              <a:t>２</a:t>
+            </a:r>
+            <a:r>
+              <a:rPr kumimoji="1" lang="ja-JP" altLang="en-US" smtClean="0"/>
+              <a:t>．</a:t>
+            </a:r>
+            <a:r>
+              <a:rPr kumimoji="1" lang="ja-JP" altLang="en-US" smtClean="0"/>
+              <a:t>開発</a:t>
+            </a:r>
+            <a:r>
+              <a:rPr lang="ja-JP" altLang="en-US" smtClean="0"/>
+              <a:t>サービス</a:t>
+            </a:r>
+            <a:r>
+              <a:rPr kumimoji="1" lang="ja-JP" altLang="en-US" smtClean="0"/>
+              <a:t>紹介</a:t>
             </a:r>
             <a:endParaRPr kumimoji="1" lang="ja-JP" altLang="en-US" dirty="0"/>
           </a:p>
